--- a/agape retreat/theo.pptx
+++ b/agape retreat/theo.pptx
@@ -2,7 +2,7 @@
 <file path=ppt/presentation.xml><?xml version="1.0" encoding="utf-8"?>
 <p:presentation xmlns:a="http://schemas.openxmlformats.org/drawingml/2006/main" xmlns:r="http://schemas.openxmlformats.org/officeDocument/2006/relationships" xmlns:p="http://schemas.openxmlformats.org/presentationml/2006/main" saveSubsetFonts="1">
   <p:sldMasterIdLst>
-    <p:sldMasterId id="2147483648" r:id="rId1"/>
+    <p:sldMasterId id="2147483661" r:id="rId1"/>
   </p:sldMasterIdLst>
   <p:sldIdLst>
     <p:sldId id="256" r:id="rId2"/>
@@ -11,20 +11,21 @@
     <p:sldId id="260" r:id="rId5"/>
     <p:sldId id="261" r:id="rId6"/>
     <p:sldId id="262" r:id="rId7"/>
-    <p:sldId id="263" r:id="rId8"/>
-    <p:sldId id="264" r:id="rId9"/>
-    <p:sldId id="265" r:id="rId10"/>
-    <p:sldId id="266" r:id="rId11"/>
-    <p:sldId id="267" r:id="rId12"/>
-    <p:sldId id="268" r:id="rId13"/>
-    <p:sldId id="269" r:id="rId14"/>
-    <p:sldId id="270" r:id="rId15"/>
-    <p:sldId id="271" r:id="rId16"/>
-    <p:sldId id="272" r:id="rId17"/>
-    <p:sldId id="273" r:id="rId18"/>
-    <p:sldId id="274" r:id="rId19"/>
-    <p:sldId id="275" r:id="rId20"/>
-    <p:sldId id="277" r:id="rId21"/>
+    <p:sldId id="278" r:id="rId8"/>
+    <p:sldId id="263" r:id="rId9"/>
+    <p:sldId id="264" r:id="rId10"/>
+    <p:sldId id="265" r:id="rId11"/>
+    <p:sldId id="266" r:id="rId12"/>
+    <p:sldId id="267" r:id="rId13"/>
+    <p:sldId id="268" r:id="rId14"/>
+    <p:sldId id="269" r:id="rId15"/>
+    <p:sldId id="270" r:id="rId16"/>
+    <p:sldId id="271" r:id="rId17"/>
+    <p:sldId id="272" r:id="rId18"/>
+    <p:sldId id="273" r:id="rId19"/>
+    <p:sldId id="274" r:id="rId20"/>
+    <p:sldId id="275" r:id="rId21"/>
+    <p:sldId id="277" r:id="rId22"/>
   </p:sldIdLst>
   <p:sldSz cx="12192000" cy="6858000"/>
   <p:notesSz cx="6858000" cy="9144000"/>
@@ -123,6 +124,11 @@
       </a:defRPr>
     </a:lvl9pPr>
   </p:defaultTextStyle>
+  <p:extLst>
+    <p:ext uri="{EFAFB233-063F-42B5-8137-9DF3F51BA10A}">
+      <p15:sldGuideLst xmlns:p15="http://schemas.microsoft.com/office/powerpoint/2012/main"/>
+    </p:ext>
+  </p:extLst>
 </p:presentation>
 </file>
 
@@ -145,13 +151,7 @@
       </p:grpSpPr>
       <p:sp>
         <p:nvSpPr>
-          <p:cNvPr id="2" name="Title 1">
-            <a:extLst>
-              <a:ext uri="{FF2B5EF4-FFF2-40B4-BE49-F238E27FC236}">
-                <a16:creationId xmlns:a16="http://schemas.microsoft.com/office/drawing/2014/main" id="{36BEB00D-0A55-4428-9F9C-EAA8F546F802}"/>
-              </a:ext>
-            </a:extLst>
-          </p:cNvPr>
+          <p:cNvPr id="2" name="Title 1"/>
           <p:cNvSpPr>
             <a:spLocks noGrp="1"/>
           </p:cNvSpPr>
@@ -177,18 +177,13 @@
               <a:rPr lang="en-US"/>
               <a:t>Click to edit Master title style</a:t>
             </a:r>
-          </a:p>
-        </p:txBody>
-      </p:sp>
-      <p:sp>
-        <p:nvSpPr>
-          <p:cNvPr id="3" name="Subtitle 2">
-            <a:extLst>
-              <a:ext uri="{FF2B5EF4-FFF2-40B4-BE49-F238E27FC236}">
-                <a16:creationId xmlns:a16="http://schemas.microsoft.com/office/drawing/2014/main" id="{33074FD8-549A-48B3-9B49-671337456BD5}"/>
-              </a:ext>
-            </a:extLst>
-          </p:cNvPr>
+            <a:endParaRPr lang="en-US" dirty="0"/>
+          </a:p>
+        </p:txBody>
+      </p:sp>
+      <p:sp>
+        <p:nvSpPr>
+          <p:cNvPr id="3" name="Subtitle 2"/>
           <p:cNvSpPr>
             <a:spLocks noGrp="1"/>
           </p:cNvSpPr>
@@ -247,18 +242,13 @@
               <a:rPr lang="en-US"/>
               <a:t>Click to edit Master subtitle style</a:t>
             </a:r>
-          </a:p>
-        </p:txBody>
-      </p:sp>
-      <p:sp>
-        <p:nvSpPr>
-          <p:cNvPr id="4" name="Date Placeholder 3">
-            <a:extLst>
-              <a:ext uri="{FF2B5EF4-FFF2-40B4-BE49-F238E27FC236}">
-                <a16:creationId xmlns:a16="http://schemas.microsoft.com/office/drawing/2014/main" id="{B6C27EC7-FA62-48B1-93B2-A6519F75E4AA}"/>
-              </a:ext>
-            </a:extLst>
-          </p:cNvPr>
+            <a:endParaRPr lang="en-US" dirty="0"/>
+          </a:p>
+        </p:txBody>
+      </p:sp>
+      <p:sp>
+        <p:nvSpPr>
+          <p:cNvPr id="4" name="Date Placeholder 3"/>
           <p:cNvSpPr>
             <a:spLocks noGrp="1"/>
           </p:cNvSpPr>
@@ -273,7 +263,7 @@
           <a:p>
             <a:fld id="{A2550B9F-FACE-4A07-A3D2-A9E9A585FBCA}" type="datetimeFigureOut">
               <a:rPr lang="en-US" smtClean="0"/>
-              <a:t>7/3/2018</a:t>
+              <a:t>7/7/18</a:t>
             </a:fld>
             <a:endParaRPr lang="en-US"/>
           </a:p>
@@ -281,13 +271,7 @@
       </p:sp>
       <p:sp>
         <p:nvSpPr>
-          <p:cNvPr id="5" name="Footer Placeholder 4">
-            <a:extLst>
-              <a:ext uri="{FF2B5EF4-FFF2-40B4-BE49-F238E27FC236}">
-                <a16:creationId xmlns:a16="http://schemas.microsoft.com/office/drawing/2014/main" id="{46B5BB44-C5B3-4853-AB2D-4454FA32C9FF}"/>
-              </a:ext>
-            </a:extLst>
-          </p:cNvPr>
+          <p:cNvPr id="5" name="Footer Placeholder 4"/>
           <p:cNvSpPr>
             <a:spLocks noGrp="1"/>
           </p:cNvSpPr>
@@ -306,13 +290,7 @@
       </p:sp>
       <p:sp>
         <p:nvSpPr>
-          <p:cNvPr id="6" name="Slide Number Placeholder 5">
-            <a:extLst>
-              <a:ext uri="{FF2B5EF4-FFF2-40B4-BE49-F238E27FC236}">
-                <a16:creationId xmlns:a16="http://schemas.microsoft.com/office/drawing/2014/main" id="{C76B8C66-E657-4011-8F13-FFA1D4E991A2}"/>
-              </a:ext>
-            </a:extLst>
-          </p:cNvPr>
+          <p:cNvPr id="6" name="Slide Number Placeholder 5"/>
           <p:cNvSpPr>
             <a:spLocks noGrp="1"/>
           </p:cNvSpPr>
@@ -336,7 +314,7 @@
     </p:spTree>
     <p:extLst>
       <p:ext uri="{BB962C8B-B14F-4D97-AF65-F5344CB8AC3E}">
-        <p14:creationId xmlns:p14="http://schemas.microsoft.com/office/powerpoint/2010/main" val="3035862975"/>
+        <p14:creationId xmlns:p14="http://schemas.microsoft.com/office/powerpoint/2010/main" val="846259616"/>
       </p:ext>
     </p:extLst>
   </p:cSld>
@@ -365,13 +343,7 @@
       </p:grpSpPr>
       <p:sp>
         <p:nvSpPr>
-          <p:cNvPr id="2" name="Title 1">
-            <a:extLst>
-              <a:ext uri="{FF2B5EF4-FFF2-40B4-BE49-F238E27FC236}">
-                <a16:creationId xmlns:a16="http://schemas.microsoft.com/office/drawing/2014/main" id="{BBCABBC6-D340-4D9E-95C6-C212F65D1D41}"/>
-              </a:ext>
-            </a:extLst>
-          </p:cNvPr>
+          <p:cNvPr id="2" name="Title 1"/>
           <p:cNvSpPr>
             <a:spLocks noGrp="1"/>
           </p:cNvSpPr>
@@ -388,18 +360,13 @@
               <a:rPr lang="en-US"/>
               <a:t>Click to edit Master title style</a:t>
             </a:r>
-          </a:p>
-        </p:txBody>
-      </p:sp>
-      <p:sp>
-        <p:nvSpPr>
-          <p:cNvPr id="3" name="Vertical Text Placeholder 2">
-            <a:extLst>
-              <a:ext uri="{FF2B5EF4-FFF2-40B4-BE49-F238E27FC236}">
-                <a16:creationId xmlns:a16="http://schemas.microsoft.com/office/drawing/2014/main" id="{13DD044D-E2EF-42AF-8CB7-869BA2496EE3}"/>
-              </a:ext>
-            </a:extLst>
-          </p:cNvPr>
+            <a:endParaRPr lang="en-US" dirty="0"/>
+          </a:p>
+        </p:txBody>
+      </p:sp>
+      <p:sp>
+        <p:nvSpPr>
+          <p:cNvPr id="3" name="Vertical Text Placeholder 2"/>
           <p:cNvSpPr>
             <a:spLocks noGrp="1"/>
           </p:cNvSpPr>
@@ -445,18 +412,13 @@
               <a:rPr lang="en-US"/>
               <a:t>Fifth level</a:t>
             </a:r>
-          </a:p>
-        </p:txBody>
-      </p:sp>
-      <p:sp>
-        <p:nvSpPr>
-          <p:cNvPr id="4" name="Date Placeholder 3">
-            <a:extLst>
-              <a:ext uri="{FF2B5EF4-FFF2-40B4-BE49-F238E27FC236}">
-                <a16:creationId xmlns:a16="http://schemas.microsoft.com/office/drawing/2014/main" id="{59851A41-A8DA-45E2-8FB7-4821114D037A}"/>
-              </a:ext>
-            </a:extLst>
-          </p:cNvPr>
+            <a:endParaRPr lang="en-US" dirty="0"/>
+          </a:p>
+        </p:txBody>
+      </p:sp>
+      <p:sp>
+        <p:nvSpPr>
+          <p:cNvPr id="4" name="Date Placeholder 3"/>
           <p:cNvSpPr>
             <a:spLocks noGrp="1"/>
           </p:cNvSpPr>
@@ -471,7 +433,7 @@
           <a:p>
             <a:fld id="{A2550B9F-FACE-4A07-A3D2-A9E9A585FBCA}" type="datetimeFigureOut">
               <a:rPr lang="en-US" smtClean="0"/>
-              <a:t>7/3/2018</a:t>
+              <a:t>7/7/18</a:t>
             </a:fld>
             <a:endParaRPr lang="en-US"/>
           </a:p>
@@ -479,13 +441,7 @@
       </p:sp>
       <p:sp>
         <p:nvSpPr>
-          <p:cNvPr id="5" name="Footer Placeholder 4">
-            <a:extLst>
-              <a:ext uri="{FF2B5EF4-FFF2-40B4-BE49-F238E27FC236}">
-                <a16:creationId xmlns:a16="http://schemas.microsoft.com/office/drawing/2014/main" id="{05A6E928-CFE6-4CC7-A32C-B024EDFFDDCA}"/>
-              </a:ext>
-            </a:extLst>
-          </p:cNvPr>
+          <p:cNvPr id="5" name="Footer Placeholder 4"/>
           <p:cNvSpPr>
             <a:spLocks noGrp="1"/>
           </p:cNvSpPr>
@@ -504,13 +460,7 @@
       </p:sp>
       <p:sp>
         <p:nvSpPr>
-          <p:cNvPr id="6" name="Slide Number Placeholder 5">
-            <a:extLst>
-              <a:ext uri="{FF2B5EF4-FFF2-40B4-BE49-F238E27FC236}">
-                <a16:creationId xmlns:a16="http://schemas.microsoft.com/office/drawing/2014/main" id="{ADC161D9-EEA9-45CA-A54D-F166FC8DBA4A}"/>
-              </a:ext>
-            </a:extLst>
-          </p:cNvPr>
+          <p:cNvPr id="6" name="Slide Number Placeholder 5"/>
           <p:cNvSpPr>
             <a:spLocks noGrp="1"/>
           </p:cNvSpPr>
@@ -534,7 +484,7 @@
     </p:spTree>
     <p:extLst>
       <p:ext uri="{BB962C8B-B14F-4D97-AF65-F5344CB8AC3E}">
-        <p14:creationId xmlns:p14="http://schemas.microsoft.com/office/powerpoint/2010/main" val="2249692989"/>
+        <p14:creationId xmlns:p14="http://schemas.microsoft.com/office/powerpoint/2010/main" val="4210983994"/>
       </p:ext>
     </p:extLst>
   </p:cSld>
@@ -563,13 +513,7 @@
       </p:grpSpPr>
       <p:sp>
         <p:nvSpPr>
-          <p:cNvPr id="2" name="Vertical Title 1">
-            <a:extLst>
-              <a:ext uri="{FF2B5EF4-FFF2-40B4-BE49-F238E27FC236}">
-                <a16:creationId xmlns:a16="http://schemas.microsoft.com/office/drawing/2014/main" id="{9360F2E9-2AA4-4BD5-AAC7-E68B21EED58F}"/>
-              </a:ext>
-            </a:extLst>
-          </p:cNvPr>
+          <p:cNvPr id="2" name="Vertical Title 1"/>
           <p:cNvSpPr>
             <a:spLocks noGrp="1"/>
           </p:cNvSpPr>
@@ -591,18 +535,13 @@
               <a:rPr lang="en-US"/>
               <a:t>Click to edit Master title style</a:t>
             </a:r>
-          </a:p>
-        </p:txBody>
-      </p:sp>
-      <p:sp>
-        <p:nvSpPr>
-          <p:cNvPr id="3" name="Vertical Text Placeholder 2">
-            <a:extLst>
-              <a:ext uri="{FF2B5EF4-FFF2-40B4-BE49-F238E27FC236}">
-                <a16:creationId xmlns:a16="http://schemas.microsoft.com/office/drawing/2014/main" id="{1C38A567-C467-41E4-95E7-81A48AC4403A}"/>
-              </a:ext>
-            </a:extLst>
-          </p:cNvPr>
+            <a:endParaRPr lang="en-US" dirty="0"/>
+          </a:p>
+        </p:txBody>
+      </p:sp>
+      <p:sp>
+        <p:nvSpPr>
+          <p:cNvPr id="3" name="Vertical Text Placeholder 2"/>
           <p:cNvSpPr>
             <a:spLocks noGrp="1"/>
           </p:cNvSpPr>
@@ -653,18 +592,13 @@
               <a:rPr lang="en-US"/>
               <a:t>Fifth level</a:t>
             </a:r>
-          </a:p>
-        </p:txBody>
-      </p:sp>
-      <p:sp>
-        <p:nvSpPr>
-          <p:cNvPr id="4" name="Date Placeholder 3">
-            <a:extLst>
-              <a:ext uri="{FF2B5EF4-FFF2-40B4-BE49-F238E27FC236}">
-                <a16:creationId xmlns:a16="http://schemas.microsoft.com/office/drawing/2014/main" id="{2AB25B0E-4DCD-40B2-A652-55F6641E3E3D}"/>
-              </a:ext>
-            </a:extLst>
-          </p:cNvPr>
+            <a:endParaRPr lang="en-US" dirty="0"/>
+          </a:p>
+        </p:txBody>
+      </p:sp>
+      <p:sp>
+        <p:nvSpPr>
+          <p:cNvPr id="4" name="Date Placeholder 3"/>
           <p:cNvSpPr>
             <a:spLocks noGrp="1"/>
           </p:cNvSpPr>
@@ -679,7 +613,7 @@
           <a:p>
             <a:fld id="{A2550B9F-FACE-4A07-A3D2-A9E9A585FBCA}" type="datetimeFigureOut">
               <a:rPr lang="en-US" smtClean="0"/>
-              <a:t>7/3/2018</a:t>
+              <a:t>7/7/18</a:t>
             </a:fld>
             <a:endParaRPr lang="en-US"/>
           </a:p>
@@ -687,13 +621,7 @@
       </p:sp>
       <p:sp>
         <p:nvSpPr>
-          <p:cNvPr id="5" name="Footer Placeholder 4">
-            <a:extLst>
-              <a:ext uri="{FF2B5EF4-FFF2-40B4-BE49-F238E27FC236}">
-                <a16:creationId xmlns:a16="http://schemas.microsoft.com/office/drawing/2014/main" id="{117132E8-7BB1-414E-AAD8-3BDFD856E4BA}"/>
-              </a:ext>
-            </a:extLst>
-          </p:cNvPr>
+          <p:cNvPr id="5" name="Footer Placeholder 4"/>
           <p:cNvSpPr>
             <a:spLocks noGrp="1"/>
           </p:cNvSpPr>
@@ -712,13 +640,7 @@
       </p:sp>
       <p:sp>
         <p:nvSpPr>
-          <p:cNvPr id="6" name="Slide Number Placeholder 5">
-            <a:extLst>
-              <a:ext uri="{FF2B5EF4-FFF2-40B4-BE49-F238E27FC236}">
-                <a16:creationId xmlns:a16="http://schemas.microsoft.com/office/drawing/2014/main" id="{7A2AD7D7-6A3F-47BF-9DD0-6F96CA0231BE}"/>
-              </a:ext>
-            </a:extLst>
-          </p:cNvPr>
+          <p:cNvPr id="6" name="Slide Number Placeholder 5"/>
           <p:cNvSpPr>
             <a:spLocks noGrp="1"/>
           </p:cNvSpPr>
@@ -742,7 +664,7 @@
     </p:spTree>
     <p:extLst>
       <p:ext uri="{BB962C8B-B14F-4D97-AF65-F5344CB8AC3E}">
-        <p14:creationId xmlns:p14="http://schemas.microsoft.com/office/powerpoint/2010/main" val="3690055212"/>
+        <p14:creationId xmlns:p14="http://schemas.microsoft.com/office/powerpoint/2010/main" val="2334679259"/>
       </p:ext>
     </p:extLst>
   </p:cSld>
@@ -753,7 +675,7 @@
 </file>
 
 <file path=ppt/slideLayouts/slideLayout12.xml><?xml version="1.0" encoding="utf-8"?>
-<p:sldLayout xmlns:a="http://schemas.openxmlformats.org/drawingml/2006/main" xmlns:r="http://schemas.openxmlformats.org/officeDocument/2006/relationships" xmlns:p="http://schemas.openxmlformats.org/presentationml/2006/main" type="tx" preserve="1">
+<p:sldLayout xmlns:a="http://schemas.openxmlformats.org/drawingml/2006/main" xmlns:r="http://schemas.openxmlformats.org/officeDocument/2006/relationships" xmlns:p="http://schemas.openxmlformats.org/presentationml/2006/main" type="tx">
   <p:cSld name="Title and Text">
     <p:spTree>
       <p:nvGrpSpPr>
@@ -788,10 +710,16 @@
         <p:spPr/>
         <p:txBody>
           <a:bodyPr/>
-          <a:lstStyle/>
-          <a:p>
-            <a:r>
-              <a:rPr lang="en-US"/>
+          <a:lstStyle>
+            <a:lvl1pPr>
+              <a:defRPr>
+                <a:latin typeface="Century Gothic" panose="020B0502020202020204" pitchFamily="34" charset="0"/>
+              </a:defRPr>
+            </a:lvl1pPr>
+          </a:lstStyle>
+          <a:p>
+            <a:r>
+              <a:rPr lang="en-US" dirty="0"/>
               <a:t>Click to edit Master title style</a:t>
             </a:r>
           </a:p>
@@ -815,40 +743,69 @@
         </p:nvSpPr>
         <p:spPr/>
         <p:txBody>
-          <a:bodyPr/>
-          <a:lstStyle/>
-          <a:p>
-            <a:pPr lvl="0"/>
-            <a:r>
-              <a:rPr lang="en-US"/>
+          <a:bodyPr>
+            <a:normAutofit/>
+          </a:bodyPr>
+          <a:lstStyle>
+            <a:lvl1pPr marL="0" indent="0">
+              <a:buNone/>
+              <a:defRPr sz="3600">
+                <a:latin typeface="Century Gothic" panose="020B0502020202020204" pitchFamily="34" charset="0"/>
+              </a:defRPr>
+            </a:lvl1pPr>
+            <a:lvl2pPr>
+              <a:defRPr sz="3200">
+                <a:latin typeface="Century Gothic" panose="020B0502020202020204" pitchFamily="34" charset="0"/>
+              </a:defRPr>
+            </a:lvl2pPr>
+            <a:lvl3pPr>
+              <a:defRPr sz="2800">
+                <a:latin typeface="Century Gothic" panose="020B0502020202020204" pitchFamily="34" charset="0"/>
+              </a:defRPr>
+            </a:lvl3pPr>
+            <a:lvl4pPr>
+              <a:defRPr sz="2400">
+                <a:latin typeface="Century Gothic" panose="020B0502020202020204" pitchFamily="34" charset="0"/>
+              </a:defRPr>
+            </a:lvl4pPr>
+            <a:lvl5pPr>
+              <a:defRPr sz="2400">
+                <a:latin typeface="Century Gothic" panose="020B0502020202020204" pitchFamily="34" charset="0"/>
+              </a:defRPr>
+            </a:lvl5pPr>
+          </a:lstStyle>
+          <a:p>
+            <a:pPr lvl="0"/>
+            <a:r>
+              <a:rPr lang="en-US" dirty="0"/>
               <a:t>Edit Master text styles</a:t>
             </a:r>
           </a:p>
           <a:p>
             <a:pPr lvl="1"/>
             <a:r>
-              <a:rPr lang="en-US"/>
+              <a:rPr lang="en-US" dirty="0"/>
               <a:t>Second level</a:t>
             </a:r>
           </a:p>
           <a:p>
             <a:pPr lvl="2"/>
             <a:r>
-              <a:rPr lang="en-US"/>
+              <a:rPr lang="en-US" dirty="0"/>
               <a:t>Third level</a:t>
             </a:r>
           </a:p>
           <a:p>
             <a:pPr lvl="3"/>
             <a:r>
-              <a:rPr lang="en-US"/>
+              <a:rPr lang="en-US" dirty="0"/>
               <a:t>Fourth level</a:t>
             </a:r>
           </a:p>
           <a:p>
             <a:pPr lvl="4"/>
             <a:r>
-              <a:rPr lang="en-US"/>
+              <a:rPr lang="en-US" dirty="0"/>
               <a:t>Fifth level</a:t>
             </a:r>
           </a:p>
@@ -877,7 +834,7 @@
           <a:p>
             <a:fld id="{A2550B9F-FACE-4A07-A3D2-A9E9A585FBCA}" type="datetimeFigureOut">
               <a:rPr lang="en-US" smtClean="0"/>
-              <a:t>7/3/2018</a:t>
+              <a:t>7/7/18</a:t>
             </a:fld>
             <a:endParaRPr lang="en-US"/>
           </a:p>
@@ -940,7 +897,7 @@
     </p:spTree>
     <p:extLst>
       <p:ext uri="{BB962C8B-B14F-4D97-AF65-F5344CB8AC3E}">
-        <p14:creationId xmlns:p14="http://schemas.microsoft.com/office/powerpoint/2010/main" val="2412415520"/>
+        <p14:creationId xmlns:p14="http://schemas.microsoft.com/office/powerpoint/2010/main" val="4253160877"/>
       </p:ext>
     </p:extLst>
   </p:cSld>
@@ -969,13 +926,7 @@
       </p:grpSpPr>
       <p:sp>
         <p:nvSpPr>
-          <p:cNvPr id="2" name="Title 1">
-            <a:extLst>
-              <a:ext uri="{FF2B5EF4-FFF2-40B4-BE49-F238E27FC236}">
-                <a16:creationId xmlns:a16="http://schemas.microsoft.com/office/drawing/2014/main" id="{282CB6AF-895B-4807-A840-4E0310CEA81F}"/>
-              </a:ext>
-            </a:extLst>
-          </p:cNvPr>
+          <p:cNvPr id="2" name="Title 1"/>
           <p:cNvSpPr>
             <a:spLocks noGrp="1"/>
           </p:cNvSpPr>
@@ -992,18 +943,13 @@
               <a:rPr lang="en-US"/>
               <a:t>Click to edit Master title style</a:t>
             </a:r>
-          </a:p>
-        </p:txBody>
-      </p:sp>
-      <p:sp>
-        <p:nvSpPr>
-          <p:cNvPr id="3" name="Content Placeholder 2">
-            <a:extLst>
-              <a:ext uri="{FF2B5EF4-FFF2-40B4-BE49-F238E27FC236}">
-                <a16:creationId xmlns:a16="http://schemas.microsoft.com/office/drawing/2014/main" id="{1820E7C6-1B4A-463B-B471-D0B09C6A1845}"/>
-              </a:ext>
-            </a:extLst>
-          </p:cNvPr>
+            <a:endParaRPr lang="en-US" dirty="0"/>
+          </a:p>
+        </p:txBody>
+      </p:sp>
+      <p:sp>
+        <p:nvSpPr>
+          <p:cNvPr id="3" name="Content Placeholder 2"/>
           <p:cNvSpPr>
             <a:spLocks noGrp="1"/>
           </p:cNvSpPr>
@@ -1049,18 +995,13 @@
               <a:rPr lang="en-US"/>
               <a:t>Fifth level</a:t>
             </a:r>
-          </a:p>
-        </p:txBody>
-      </p:sp>
-      <p:sp>
-        <p:nvSpPr>
-          <p:cNvPr id="4" name="Date Placeholder 3">
-            <a:extLst>
-              <a:ext uri="{FF2B5EF4-FFF2-40B4-BE49-F238E27FC236}">
-                <a16:creationId xmlns:a16="http://schemas.microsoft.com/office/drawing/2014/main" id="{147FD361-7A8B-4E8D-ABD4-1BD80AEDB099}"/>
-              </a:ext>
-            </a:extLst>
-          </p:cNvPr>
+            <a:endParaRPr lang="en-US" dirty="0"/>
+          </a:p>
+        </p:txBody>
+      </p:sp>
+      <p:sp>
+        <p:nvSpPr>
+          <p:cNvPr id="4" name="Date Placeholder 3"/>
           <p:cNvSpPr>
             <a:spLocks noGrp="1"/>
           </p:cNvSpPr>
@@ -1075,7 +1016,7 @@
           <a:p>
             <a:fld id="{A2550B9F-FACE-4A07-A3D2-A9E9A585FBCA}" type="datetimeFigureOut">
               <a:rPr lang="en-US" smtClean="0"/>
-              <a:t>7/3/2018</a:t>
+              <a:t>7/7/18</a:t>
             </a:fld>
             <a:endParaRPr lang="en-US"/>
           </a:p>
@@ -1083,13 +1024,7 @@
       </p:sp>
       <p:sp>
         <p:nvSpPr>
-          <p:cNvPr id="5" name="Footer Placeholder 4">
-            <a:extLst>
-              <a:ext uri="{FF2B5EF4-FFF2-40B4-BE49-F238E27FC236}">
-                <a16:creationId xmlns:a16="http://schemas.microsoft.com/office/drawing/2014/main" id="{4EEC872B-94D1-4313-A537-0FC09E0E03C8}"/>
-              </a:ext>
-            </a:extLst>
-          </p:cNvPr>
+          <p:cNvPr id="5" name="Footer Placeholder 4"/>
           <p:cNvSpPr>
             <a:spLocks noGrp="1"/>
           </p:cNvSpPr>
@@ -1108,13 +1043,7 @@
       </p:sp>
       <p:sp>
         <p:nvSpPr>
-          <p:cNvPr id="6" name="Slide Number Placeholder 5">
-            <a:extLst>
-              <a:ext uri="{FF2B5EF4-FFF2-40B4-BE49-F238E27FC236}">
-                <a16:creationId xmlns:a16="http://schemas.microsoft.com/office/drawing/2014/main" id="{67A4E5C6-A1C3-4C94-877F-9B43E4AC67D9}"/>
-              </a:ext>
-            </a:extLst>
-          </p:cNvPr>
+          <p:cNvPr id="6" name="Slide Number Placeholder 5"/>
           <p:cNvSpPr>
             <a:spLocks noGrp="1"/>
           </p:cNvSpPr>
@@ -1138,7 +1067,7 @@
     </p:spTree>
     <p:extLst>
       <p:ext uri="{BB962C8B-B14F-4D97-AF65-F5344CB8AC3E}">
-        <p14:creationId xmlns:p14="http://schemas.microsoft.com/office/powerpoint/2010/main" val="98221349"/>
+        <p14:creationId xmlns:p14="http://schemas.microsoft.com/office/powerpoint/2010/main" val="1755070278"/>
       </p:ext>
     </p:extLst>
   </p:cSld>
@@ -1167,13 +1096,7 @@
       </p:grpSpPr>
       <p:sp>
         <p:nvSpPr>
-          <p:cNvPr id="2" name="Title 1">
-            <a:extLst>
-              <a:ext uri="{FF2B5EF4-FFF2-40B4-BE49-F238E27FC236}">
-                <a16:creationId xmlns:a16="http://schemas.microsoft.com/office/drawing/2014/main" id="{3A7D8327-2272-4513-B74B-A3488F0C3E85}"/>
-              </a:ext>
-            </a:extLst>
-          </p:cNvPr>
+          <p:cNvPr id="2" name="Title 1"/>
           <p:cNvSpPr>
             <a:spLocks noGrp="1"/>
           </p:cNvSpPr>
@@ -1199,18 +1122,13 @@
               <a:rPr lang="en-US"/>
               <a:t>Click to edit Master title style</a:t>
             </a:r>
-          </a:p>
-        </p:txBody>
-      </p:sp>
-      <p:sp>
-        <p:nvSpPr>
-          <p:cNvPr id="3" name="Text Placeholder 2">
-            <a:extLst>
-              <a:ext uri="{FF2B5EF4-FFF2-40B4-BE49-F238E27FC236}">
-                <a16:creationId xmlns:a16="http://schemas.microsoft.com/office/drawing/2014/main" id="{52FFAF63-F3E5-41A1-A71C-6534C19BDD58}"/>
-              </a:ext>
-            </a:extLst>
-          </p:cNvPr>
+            <a:endParaRPr lang="en-US" dirty="0"/>
+          </a:p>
+        </p:txBody>
+      </p:sp>
+      <p:sp>
+        <p:nvSpPr>
+          <p:cNvPr id="3" name="Text Placeholder 2"/>
           <p:cNvSpPr>
             <a:spLocks noGrp="1"/>
           </p:cNvSpPr>
@@ -1329,13 +1247,7 @@
       </p:sp>
       <p:sp>
         <p:nvSpPr>
-          <p:cNvPr id="4" name="Date Placeholder 3">
-            <a:extLst>
-              <a:ext uri="{FF2B5EF4-FFF2-40B4-BE49-F238E27FC236}">
-                <a16:creationId xmlns:a16="http://schemas.microsoft.com/office/drawing/2014/main" id="{D097D76A-C3E0-4223-85A4-FDAB8269B4EC}"/>
-              </a:ext>
-            </a:extLst>
-          </p:cNvPr>
+          <p:cNvPr id="4" name="Date Placeholder 3"/>
           <p:cNvSpPr>
             <a:spLocks noGrp="1"/>
           </p:cNvSpPr>
@@ -1350,7 +1262,7 @@
           <a:p>
             <a:fld id="{A2550B9F-FACE-4A07-A3D2-A9E9A585FBCA}" type="datetimeFigureOut">
               <a:rPr lang="en-US" smtClean="0"/>
-              <a:t>7/3/2018</a:t>
+              <a:t>7/7/18</a:t>
             </a:fld>
             <a:endParaRPr lang="en-US"/>
           </a:p>
@@ -1358,13 +1270,7 @@
       </p:sp>
       <p:sp>
         <p:nvSpPr>
-          <p:cNvPr id="5" name="Footer Placeholder 4">
-            <a:extLst>
-              <a:ext uri="{FF2B5EF4-FFF2-40B4-BE49-F238E27FC236}">
-                <a16:creationId xmlns:a16="http://schemas.microsoft.com/office/drawing/2014/main" id="{12ACDD2A-EE6C-47B1-88B1-D5EBB65C4A8D}"/>
-              </a:ext>
-            </a:extLst>
-          </p:cNvPr>
+          <p:cNvPr id="5" name="Footer Placeholder 4"/>
           <p:cNvSpPr>
             <a:spLocks noGrp="1"/>
           </p:cNvSpPr>
@@ -1383,13 +1289,7 @@
       </p:sp>
       <p:sp>
         <p:nvSpPr>
-          <p:cNvPr id="6" name="Slide Number Placeholder 5">
-            <a:extLst>
-              <a:ext uri="{FF2B5EF4-FFF2-40B4-BE49-F238E27FC236}">
-                <a16:creationId xmlns:a16="http://schemas.microsoft.com/office/drawing/2014/main" id="{DFEEFC9A-89AC-4145-B226-5DCBC1A7CAFD}"/>
-              </a:ext>
-            </a:extLst>
-          </p:cNvPr>
+          <p:cNvPr id="6" name="Slide Number Placeholder 5"/>
           <p:cNvSpPr>
             <a:spLocks noGrp="1"/>
           </p:cNvSpPr>
@@ -1413,7 +1313,7 @@
     </p:spTree>
     <p:extLst>
       <p:ext uri="{BB962C8B-B14F-4D97-AF65-F5344CB8AC3E}">
-        <p14:creationId xmlns:p14="http://schemas.microsoft.com/office/powerpoint/2010/main" val="1718249026"/>
+        <p14:creationId xmlns:p14="http://schemas.microsoft.com/office/powerpoint/2010/main" val="4193121702"/>
       </p:ext>
     </p:extLst>
   </p:cSld>
@@ -1442,13 +1342,7 @@
       </p:grpSpPr>
       <p:sp>
         <p:nvSpPr>
-          <p:cNvPr id="2" name="Title 1">
-            <a:extLst>
-              <a:ext uri="{FF2B5EF4-FFF2-40B4-BE49-F238E27FC236}">
-                <a16:creationId xmlns:a16="http://schemas.microsoft.com/office/drawing/2014/main" id="{ADE959CE-15D8-4165-B381-F4FA93A233BF}"/>
-              </a:ext>
-            </a:extLst>
-          </p:cNvPr>
+          <p:cNvPr id="2" name="Title 1"/>
           <p:cNvSpPr>
             <a:spLocks noGrp="1"/>
           </p:cNvSpPr>
@@ -1465,18 +1359,13 @@
               <a:rPr lang="en-US"/>
               <a:t>Click to edit Master title style</a:t>
             </a:r>
-          </a:p>
-        </p:txBody>
-      </p:sp>
-      <p:sp>
-        <p:nvSpPr>
-          <p:cNvPr id="3" name="Content Placeholder 2">
-            <a:extLst>
-              <a:ext uri="{FF2B5EF4-FFF2-40B4-BE49-F238E27FC236}">
-                <a16:creationId xmlns:a16="http://schemas.microsoft.com/office/drawing/2014/main" id="{E291653D-1A77-4E93-B228-09F1BE8051E7}"/>
-              </a:ext>
-            </a:extLst>
-          </p:cNvPr>
+            <a:endParaRPr lang="en-US" dirty="0"/>
+          </a:p>
+        </p:txBody>
+      </p:sp>
+      <p:sp>
+        <p:nvSpPr>
+          <p:cNvPr id="3" name="Content Placeholder 2"/>
           <p:cNvSpPr>
             <a:spLocks noGrp="1"/>
           </p:cNvSpPr>
@@ -1527,18 +1416,13 @@
               <a:rPr lang="en-US"/>
               <a:t>Fifth level</a:t>
             </a:r>
-          </a:p>
-        </p:txBody>
-      </p:sp>
-      <p:sp>
-        <p:nvSpPr>
-          <p:cNvPr id="4" name="Content Placeholder 3">
-            <a:extLst>
-              <a:ext uri="{FF2B5EF4-FFF2-40B4-BE49-F238E27FC236}">
-                <a16:creationId xmlns:a16="http://schemas.microsoft.com/office/drawing/2014/main" id="{C57E9202-204F-4FC3-8060-D00B66344D4E}"/>
-              </a:ext>
-            </a:extLst>
-          </p:cNvPr>
+            <a:endParaRPr lang="en-US" dirty="0"/>
+          </a:p>
+        </p:txBody>
+      </p:sp>
+      <p:sp>
+        <p:nvSpPr>
+          <p:cNvPr id="4" name="Content Placeholder 3"/>
           <p:cNvSpPr>
             <a:spLocks noGrp="1"/>
           </p:cNvSpPr>
@@ -1589,18 +1473,13 @@
               <a:rPr lang="en-US"/>
               <a:t>Fifth level</a:t>
             </a:r>
-          </a:p>
-        </p:txBody>
-      </p:sp>
-      <p:sp>
-        <p:nvSpPr>
-          <p:cNvPr id="5" name="Date Placeholder 4">
-            <a:extLst>
-              <a:ext uri="{FF2B5EF4-FFF2-40B4-BE49-F238E27FC236}">
-                <a16:creationId xmlns:a16="http://schemas.microsoft.com/office/drawing/2014/main" id="{66839598-8368-4525-8C38-A5B36C7A7AD8}"/>
-              </a:ext>
-            </a:extLst>
-          </p:cNvPr>
+            <a:endParaRPr lang="en-US" dirty="0"/>
+          </a:p>
+        </p:txBody>
+      </p:sp>
+      <p:sp>
+        <p:nvSpPr>
+          <p:cNvPr id="5" name="Date Placeholder 4"/>
           <p:cNvSpPr>
             <a:spLocks noGrp="1"/>
           </p:cNvSpPr>
@@ -1615,7 +1494,7 @@
           <a:p>
             <a:fld id="{A2550B9F-FACE-4A07-A3D2-A9E9A585FBCA}" type="datetimeFigureOut">
               <a:rPr lang="en-US" smtClean="0"/>
-              <a:t>7/3/2018</a:t>
+              <a:t>7/7/18</a:t>
             </a:fld>
             <a:endParaRPr lang="en-US"/>
           </a:p>
@@ -1623,13 +1502,7 @@
       </p:sp>
       <p:sp>
         <p:nvSpPr>
-          <p:cNvPr id="6" name="Footer Placeholder 5">
-            <a:extLst>
-              <a:ext uri="{FF2B5EF4-FFF2-40B4-BE49-F238E27FC236}">
-                <a16:creationId xmlns:a16="http://schemas.microsoft.com/office/drawing/2014/main" id="{BF7BA11F-8B03-4F04-B103-29D4D7F457C6}"/>
-              </a:ext>
-            </a:extLst>
-          </p:cNvPr>
+          <p:cNvPr id="6" name="Footer Placeholder 5"/>
           <p:cNvSpPr>
             <a:spLocks noGrp="1"/>
           </p:cNvSpPr>
@@ -1648,13 +1521,7 @@
       </p:sp>
       <p:sp>
         <p:nvSpPr>
-          <p:cNvPr id="7" name="Slide Number Placeholder 6">
-            <a:extLst>
-              <a:ext uri="{FF2B5EF4-FFF2-40B4-BE49-F238E27FC236}">
-                <a16:creationId xmlns:a16="http://schemas.microsoft.com/office/drawing/2014/main" id="{F015F023-849D-4110-A570-D7CAE27056C5}"/>
-              </a:ext>
-            </a:extLst>
-          </p:cNvPr>
+          <p:cNvPr id="7" name="Slide Number Placeholder 6"/>
           <p:cNvSpPr>
             <a:spLocks noGrp="1"/>
           </p:cNvSpPr>
@@ -1678,7 +1545,7 @@
     </p:spTree>
     <p:extLst>
       <p:ext uri="{BB962C8B-B14F-4D97-AF65-F5344CB8AC3E}">
-        <p14:creationId xmlns:p14="http://schemas.microsoft.com/office/powerpoint/2010/main" val="2355271755"/>
+        <p14:creationId xmlns:p14="http://schemas.microsoft.com/office/powerpoint/2010/main" val="1167057322"/>
       </p:ext>
     </p:extLst>
   </p:cSld>
@@ -1707,13 +1574,7 @@
       </p:grpSpPr>
       <p:sp>
         <p:nvSpPr>
-          <p:cNvPr id="2" name="Title 1">
-            <a:extLst>
-              <a:ext uri="{FF2B5EF4-FFF2-40B4-BE49-F238E27FC236}">
-                <a16:creationId xmlns:a16="http://schemas.microsoft.com/office/drawing/2014/main" id="{FEDA609A-B036-4049-B379-492FEA592B89}"/>
-              </a:ext>
-            </a:extLst>
-          </p:cNvPr>
+          <p:cNvPr id="2" name="Title 1"/>
           <p:cNvSpPr>
             <a:spLocks noGrp="1"/>
           </p:cNvSpPr>
@@ -1735,18 +1596,13 @@
               <a:rPr lang="en-US"/>
               <a:t>Click to edit Master title style</a:t>
             </a:r>
-          </a:p>
-        </p:txBody>
-      </p:sp>
-      <p:sp>
-        <p:nvSpPr>
-          <p:cNvPr id="3" name="Text Placeholder 2">
-            <a:extLst>
-              <a:ext uri="{FF2B5EF4-FFF2-40B4-BE49-F238E27FC236}">
-                <a16:creationId xmlns:a16="http://schemas.microsoft.com/office/drawing/2014/main" id="{24E3EE7A-64B8-4D9A-8523-FA828E13596A}"/>
-              </a:ext>
-            </a:extLst>
-          </p:cNvPr>
+            <a:endParaRPr lang="en-US" dirty="0"/>
+          </a:p>
+        </p:txBody>
+      </p:sp>
+      <p:sp>
+        <p:nvSpPr>
+          <p:cNvPr id="3" name="Text Placeholder 2"/>
           <p:cNvSpPr>
             <a:spLocks noGrp="1"/>
           </p:cNvSpPr>
@@ -1811,13 +1667,7 @@
       </p:sp>
       <p:sp>
         <p:nvSpPr>
-          <p:cNvPr id="4" name="Content Placeholder 3">
-            <a:extLst>
-              <a:ext uri="{FF2B5EF4-FFF2-40B4-BE49-F238E27FC236}">
-                <a16:creationId xmlns:a16="http://schemas.microsoft.com/office/drawing/2014/main" id="{766D63E8-27DD-4113-B610-28A7FFE6A99B}"/>
-              </a:ext>
-            </a:extLst>
-          </p:cNvPr>
+          <p:cNvPr id="4" name="Content Placeholder 3"/>
           <p:cNvSpPr>
             <a:spLocks noGrp="1"/>
           </p:cNvSpPr>
@@ -1868,18 +1718,13 @@
               <a:rPr lang="en-US"/>
               <a:t>Fifth level</a:t>
             </a:r>
-          </a:p>
-        </p:txBody>
-      </p:sp>
-      <p:sp>
-        <p:nvSpPr>
-          <p:cNvPr id="5" name="Text Placeholder 4">
-            <a:extLst>
-              <a:ext uri="{FF2B5EF4-FFF2-40B4-BE49-F238E27FC236}">
-                <a16:creationId xmlns:a16="http://schemas.microsoft.com/office/drawing/2014/main" id="{5FD5885E-7775-4551-92F7-A339DF4DF9F0}"/>
-              </a:ext>
-            </a:extLst>
-          </p:cNvPr>
+            <a:endParaRPr lang="en-US" dirty="0"/>
+          </a:p>
+        </p:txBody>
+      </p:sp>
+      <p:sp>
+        <p:nvSpPr>
+          <p:cNvPr id="5" name="Text Placeholder 4"/>
           <p:cNvSpPr>
             <a:spLocks noGrp="1"/>
           </p:cNvSpPr>
@@ -1944,13 +1789,7 @@
       </p:sp>
       <p:sp>
         <p:nvSpPr>
-          <p:cNvPr id="6" name="Content Placeholder 5">
-            <a:extLst>
-              <a:ext uri="{FF2B5EF4-FFF2-40B4-BE49-F238E27FC236}">
-                <a16:creationId xmlns:a16="http://schemas.microsoft.com/office/drawing/2014/main" id="{79906C45-A664-4AF0-B1E3-77C3AB216EE0}"/>
-              </a:ext>
-            </a:extLst>
-          </p:cNvPr>
+          <p:cNvPr id="6" name="Content Placeholder 5"/>
           <p:cNvSpPr>
             <a:spLocks noGrp="1"/>
           </p:cNvSpPr>
@@ -2001,18 +1840,13 @@
               <a:rPr lang="en-US"/>
               <a:t>Fifth level</a:t>
             </a:r>
-          </a:p>
-        </p:txBody>
-      </p:sp>
-      <p:sp>
-        <p:nvSpPr>
-          <p:cNvPr id="7" name="Date Placeholder 6">
-            <a:extLst>
-              <a:ext uri="{FF2B5EF4-FFF2-40B4-BE49-F238E27FC236}">
-                <a16:creationId xmlns:a16="http://schemas.microsoft.com/office/drawing/2014/main" id="{0FB37DA3-8A25-44FF-B58B-B0A7A8B407C1}"/>
-              </a:ext>
-            </a:extLst>
-          </p:cNvPr>
+            <a:endParaRPr lang="en-US" dirty="0"/>
+          </a:p>
+        </p:txBody>
+      </p:sp>
+      <p:sp>
+        <p:nvSpPr>
+          <p:cNvPr id="7" name="Date Placeholder 6"/>
           <p:cNvSpPr>
             <a:spLocks noGrp="1"/>
           </p:cNvSpPr>
@@ -2027,7 +1861,7 @@
           <a:p>
             <a:fld id="{A2550B9F-FACE-4A07-A3D2-A9E9A585FBCA}" type="datetimeFigureOut">
               <a:rPr lang="en-US" smtClean="0"/>
-              <a:t>7/3/2018</a:t>
+              <a:t>7/7/18</a:t>
             </a:fld>
             <a:endParaRPr lang="en-US"/>
           </a:p>
@@ -2035,13 +1869,7 @@
       </p:sp>
       <p:sp>
         <p:nvSpPr>
-          <p:cNvPr id="8" name="Footer Placeholder 7">
-            <a:extLst>
-              <a:ext uri="{FF2B5EF4-FFF2-40B4-BE49-F238E27FC236}">
-                <a16:creationId xmlns:a16="http://schemas.microsoft.com/office/drawing/2014/main" id="{4CDFE1F9-AAF6-4C52-926F-918121ACE71A}"/>
-              </a:ext>
-            </a:extLst>
-          </p:cNvPr>
+          <p:cNvPr id="8" name="Footer Placeholder 7"/>
           <p:cNvSpPr>
             <a:spLocks noGrp="1"/>
           </p:cNvSpPr>
@@ -2060,13 +1888,7 @@
       </p:sp>
       <p:sp>
         <p:nvSpPr>
-          <p:cNvPr id="9" name="Slide Number Placeholder 8">
-            <a:extLst>
-              <a:ext uri="{FF2B5EF4-FFF2-40B4-BE49-F238E27FC236}">
-                <a16:creationId xmlns:a16="http://schemas.microsoft.com/office/drawing/2014/main" id="{ED8FC44C-DE26-4FFD-9589-F8AEF0999005}"/>
-              </a:ext>
-            </a:extLst>
-          </p:cNvPr>
+          <p:cNvPr id="9" name="Slide Number Placeholder 8"/>
           <p:cNvSpPr>
             <a:spLocks noGrp="1"/>
           </p:cNvSpPr>
@@ -2090,7 +1912,7 @@
     </p:spTree>
     <p:extLst>
       <p:ext uri="{BB962C8B-B14F-4D97-AF65-F5344CB8AC3E}">
-        <p14:creationId xmlns:p14="http://schemas.microsoft.com/office/powerpoint/2010/main" val="2232944379"/>
+        <p14:creationId xmlns:p14="http://schemas.microsoft.com/office/powerpoint/2010/main" val="250071345"/>
       </p:ext>
     </p:extLst>
   </p:cSld>
@@ -2119,13 +1941,7 @@
       </p:grpSpPr>
       <p:sp>
         <p:nvSpPr>
-          <p:cNvPr id="2" name="Title 1">
-            <a:extLst>
-              <a:ext uri="{FF2B5EF4-FFF2-40B4-BE49-F238E27FC236}">
-                <a16:creationId xmlns:a16="http://schemas.microsoft.com/office/drawing/2014/main" id="{97E25EE6-C6DF-4B4B-8F5E-B356A64A2570}"/>
-              </a:ext>
-            </a:extLst>
-          </p:cNvPr>
+          <p:cNvPr id="2" name="Title 1"/>
           <p:cNvSpPr>
             <a:spLocks noGrp="1"/>
           </p:cNvSpPr>
@@ -2142,18 +1958,13 @@
               <a:rPr lang="en-US"/>
               <a:t>Click to edit Master title style</a:t>
             </a:r>
-          </a:p>
-        </p:txBody>
-      </p:sp>
-      <p:sp>
-        <p:nvSpPr>
-          <p:cNvPr id="3" name="Date Placeholder 2">
-            <a:extLst>
-              <a:ext uri="{FF2B5EF4-FFF2-40B4-BE49-F238E27FC236}">
-                <a16:creationId xmlns:a16="http://schemas.microsoft.com/office/drawing/2014/main" id="{BC800AFE-2CD5-4E4C-8CC6-EDB494988529}"/>
-              </a:ext>
-            </a:extLst>
-          </p:cNvPr>
+            <a:endParaRPr lang="en-US" dirty="0"/>
+          </a:p>
+        </p:txBody>
+      </p:sp>
+      <p:sp>
+        <p:nvSpPr>
+          <p:cNvPr id="3" name="Date Placeholder 2"/>
           <p:cNvSpPr>
             <a:spLocks noGrp="1"/>
           </p:cNvSpPr>
@@ -2168,7 +1979,7 @@
           <a:p>
             <a:fld id="{A2550B9F-FACE-4A07-A3D2-A9E9A585FBCA}" type="datetimeFigureOut">
               <a:rPr lang="en-US" smtClean="0"/>
-              <a:t>7/3/2018</a:t>
+              <a:t>7/7/18</a:t>
             </a:fld>
             <a:endParaRPr lang="en-US"/>
           </a:p>
@@ -2176,13 +1987,7 @@
       </p:sp>
       <p:sp>
         <p:nvSpPr>
-          <p:cNvPr id="4" name="Footer Placeholder 3">
-            <a:extLst>
-              <a:ext uri="{FF2B5EF4-FFF2-40B4-BE49-F238E27FC236}">
-                <a16:creationId xmlns:a16="http://schemas.microsoft.com/office/drawing/2014/main" id="{19901C95-9399-48FE-9318-1C1F42008744}"/>
-              </a:ext>
-            </a:extLst>
-          </p:cNvPr>
+          <p:cNvPr id="4" name="Footer Placeholder 3"/>
           <p:cNvSpPr>
             <a:spLocks noGrp="1"/>
           </p:cNvSpPr>
@@ -2201,13 +2006,7 @@
       </p:sp>
       <p:sp>
         <p:nvSpPr>
-          <p:cNvPr id="5" name="Slide Number Placeholder 4">
-            <a:extLst>
-              <a:ext uri="{FF2B5EF4-FFF2-40B4-BE49-F238E27FC236}">
-                <a16:creationId xmlns:a16="http://schemas.microsoft.com/office/drawing/2014/main" id="{0D617F7F-6AE7-4932-B837-C035C370004C}"/>
-              </a:ext>
-            </a:extLst>
-          </p:cNvPr>
+          <p:cNvPr id="5" name="Slide Number Placeholder 4"/>
           <p:cNvSpPr>
             <a:spLocks noGrp="1"/>
           </p:cNvSpPr>
@@ -2231,7 +2030,7 @@
     </p:spTree>
     <p:extLst>
       <p:ext uri="{BB962C8B-B14F-4D97-AF65-F5344CB8AC3E}">
-        <p14:creationId xmlns:p14="http://schemas.microsoft.com/office/powerpoint/2010/main" val="1517020688"/>
+        <p14:creationId xmlns:p14="http://schemas.microsoft.com/office/powerpoint/2010/main" val="387883178"/>
       </p:ext>
     </p:extLst>
   </p:cSld>
@@ -2260,13 +2059,7 @@
       </p:grpSpPr>
       <p:sp>
         <p:nvSpPr>
-          <p:cNvPr id="2" name="Date Placeholder 1">
-            <a:extLst>
-              <a:ext uri="{FF2B5EF4-FFF2-40B4-BE49-F238E27FC236}">
-                <a16:creationId xmlns:a16="http://schemas.microsoft.com/office/drawing/2014/main" id="{6B5C8E09-7622-4EAC-BB75-4EA91FAF4FD4}"/>
-              </a:ext>
-            </a:extLst>
-          </p:cNvPr>
+          <p:cNvPr id="2" name="Date Placeholder 1"/>
           <p:cNvSpPr>
             <a:spLocks noGrp="1"/>
           </p:cNvSpPr>
@@ -2281,7 +2074,7 @@
           <a:p>
             <a:fld id="{A2550B9F-FACE-4A07-A3D2-A9E9A585FBCA}" type="datetimeFigureOut">
               <a:rPr lang="en-US" smtClean="0"/>
-              <a:t>7/3/2018</a:t>
+              <a:t>7/7/18</a:t>
             </a:fld>
             <a:endParaRPr lang="en-US"/>
           </a:p>
@@ -2289,13 +2082,7 @@
       </p:sp>
       <p:sp>
         <p:nvSpPr>
-          <p:cNvPr id="3" name="Footer Placeholder 2">
-            <a:extLst>
-              <a:ext uri="{FF2B5EF4-FFF2-40B4-BE49-F238E27FC236}">
-                <a16:creationId xmlns:a16="http://schemas.microsoft.com/office/drawing/2014/main" id="{13F6E1A6-7893-4BE2-9D29-EA2A100DA405}"/>
-              </a:ext>
-            </a:extLst>
-          </p:cNvPr>
+          <p:cNvPr id="3" name="Footer Placeholder 2"/>
           <p:cNvSpPr>
             <a:spLocks noGrp="1"/>
           </p:cNvSpPr>
@@ -2314,13 +2101,7 @@
       </p:sp>
       <p:sp>
         <p:nvSpPr>
-          <p:cNvPr id="4" name="Slide Number Placeholder 3">
-            <a:extLst>
-              <a:ext uri="{FF2B5EF4-FFF2-40B4-BE49-F238E27FC236}">
-                <a16:creationId xmlns:a16="http://schemas.microsoft.com/office/drawing/2014/main" id="{516E7CD9-7F60-4A82-87E3-D773B71A895C}"/>
-              </a:ext>
-            </a:extLst>
-          </p:cNvPr>
+          <p:cNvPr id="4" name="Slide Number Placeholder 3"/>
           <p:cNvSpPr>
             <a:spLocks noGrp="1"/>
           </p:cNvSpPr>
@@ -2344,7 +2125,7 @@
     </p:spTree>
     <p:extLst>
       <p:ext uri="{BB962C8B-B14F-4D97-AF65-F5344CB8AC3E}">
-        <p14:creationId xmlns:p14="http://schemas.microsoft.com/office/powerpoint/2010/main" val="1610926795"/>
+        <p14:creationId xmlns:p14="http://schemas.microsoft.com/office/powerpoint/2010/main" val="4123079282"/>
       </p:ext>
     </p:extLst>
   </p:cSld>
@@ -2373,13 +2154,7 @@
       </p:grpSpPr>
       <p:sp>
         <p:nvSpPr>
-          <p:cNvPr id="2" name="Title 1">
-            <a:extLst>
-              <a:ext uri="{FF2B5EF4-FFF2-40B4-BE49-F238E27FC236}">
-                <a16:creationId xmlns:a16="http://schemas.microsoft.com/office/drawing/2014/main" id="{B1661043-AAC8-41DF-97A5-E2BE0631C5BA}"/>
-              </a:ext>
-            </a:extLst>
-          </p:cNvPr>
+          <p:cNvPr id="2" name="Title 1"/>
           <p:cNvSpPr>
             <a:spLocks noGrp="1"/>
           </p:cNvSpPr>
@@ -2405,18 +2180,13 @@
               <a:rPr lang="en-US"/>
               <a:t>Click to edit Master title style</a:t>
             </a:r>
-          </a:p>
-        </p:txBody>
-      </p:sp>
-      <p:sp>
-        <p:nvSpPr>
-          <p:cNvPr id="3" name="Content Placeholder 2">
-            <a:extLst>
-              <a:ext uri="{FF2B5EF4-FFF2-40B4-BE49-F238E27FC236}">
-                <a16:creationId xmlns:a16="http://schemas.microsoft.com/office/drawing/2014/main" id="{714E147B-2709-49EA-9552-56A792114102}"/>
-              </a:ext>
-            </a:extLst>
-          </p:cNvPr>
+            <a:endParaRPr lang="en-US" dirty="0"/>
+          </a:p>
+        </p:txBody>
+      </p:sp>
+      <p:sp>
+        <p:nvSpPr>
+          <p:cNvPr id="3" name="Content Placeholder 2"/>
           <p:cNvSpPr>
             <a:spLocks noGrp="1"/>
           </p:cNvSpPr>
@@ -2495,18 +2265,13 @@
               <a:rPr lang="en-US"/>
               <a:t>Fifth level</a:t>
             </a:r>
-          </a:p>
-        </p:txBody>
-      </p:sp>
-      <p:sp>
-        <p:nvSpPr>
-          <p:cNvPr id="4" name="Text Placeholder 3">
-            <a:extLst>
-              <a:ext uri="{FF2B5EF4-FFF2-40B4-BE49-F238E27FC236}">
-                <a16:creationId xmlns:a16="http://schemas.microsoft.com/office/drawing/2014/main" id="{57D80B42-08F0-42EF-8F52-998009B7FD12}"/>
-              </a:ext>
-            </a:extLst>
-          </p:cNvPr>
+            <a:endParaRPr lang="en-US" dirty="0"/>
+          </a:p>
+        </p:txBody>
+      </p:sp>
+      <p:sp>
+        <p:nvSpPr>
+          <p:cNvPr id="4" name="Text Placeholder 3"/>
           <p:cNvSpPr>
             <a:spLocks noGrp="1"/>
           </p:cNvSpPr>
@@ -2571,13 +2336,7 @@
       </p:sp>
       <p:sp>
         <p:nvSpPr>
-          <p:cNvPr id="5" name="Date Placeholder 4">
-            <a:extLst>
-              <a:ext uri="{FF2B5EF4-FFF2-40B4-BE49-F238E27FC236}">
-                <a16:creationId xmlns:a16="http://schemas.microsoft.com/office/drawing/2014/main" id="{AF11D783-95D1-4A0F-8673-040DD0938137}"/>
-              </a:ext>
-            </a:extLst>
-          </p:cNvPr>
+          <p:cNvPr id="5" name="Date Placeholder 4"/>
           <p:cNvSpPr>
             <a:spLocks noGrp="1"/>
           </p:cNvSpPr>
@@ -2592,7 +2351,7 @@
           <a:p>
             <a:fld id="{A2550B9F-FACE-4A07-A3D2-A9E9A585FBCA}" type="datetimeFigureOut">
               <a:rPr lang="en-US" smtClean="0"/>
-              <a:t>7/3/2018</a:t>
+              <a:t>7/7/18</a:t>
             </a:fld>
             <a:endParaRPr lang="en-US"/>
           </a:p>
@@ -2600,13 +2359,7 @@
       </p:sp>
       <p:sp>
         <p:nvSpPr>
-          <p:cNvPr id="6" name="Footer Placeholder 5">
-            <a:extLst>
-              <a:ext uri="{FF2B5EF4-FFF2-40B4-BE49-F238E27FC236}">
-                <a16:creationId xmlns:a16="http://schemas.microsoft.com/office/drawing/2014/main" id="{310028D2-EA82-41F0-9FF7-BB9784B2C637}"/>
-              </a:ext>
-            </a:extLst>
-          </p:cNvPr>
+          <p:cNvPr id="6" name="Footer Placeholder 5"/>
           <p:cNvSpPr>
             <a:spLocks noGrp="1"/>
           </p:cNvSpPr>
@@ -2625,13 +2378,7 @@
       </p:sp>
       <p:sp>
         <p:nvSpPr>
-          <p:cNvPr id="7" name="Slide Number Placeholder 6">
-            <a:extLst>
-              <a:ext uri="{FF2B5EF4-FFF2-40B4-BE49-F238E27FC236}">
-                <a16:creationId xmlns:a16="http://schemas.microsoft.com/office/drawing/2014/main" id="{3976C2C6-4EB0-4A26-AD71-DF48D46AD6E4}"/>
-              </a:ext>
-            </a:extLst>
-          </p:cNvPr>
+          <p:cNvPr id="7" name="Slide Number Placeholder 6"/>
           <p:cNvSpPr>
             <a:spLocks noGrp="1"/>
           </p:cNvSpPr>
@@ -2655,7 +2402,7 @@
     </p:spTree>
     <p:extLst>
       <p:ext uri="{BB962C8B-B14F-4D97-AF65-F5344CB8AC3E}">
-        <p14:creationId xmlns:p14="http://schemas.microsoft.com/office/powerpoint/2010/main" val="3483166277"/>
+        <p14:creationId xmlns:p14="http://schemas.microsoft.com/office/powerpoint/2010/main" val="1690256674"/>
       </p:ext>
     </p:extLst>
   </p:cSld>
@@ -2684,13 +2431,7 @@
       </p:grpSpPr>
       <p:sp>
         <p:nvSpPr>
-          <p:cNvPr id="2" name="Title 1">
-            <a:extLst>
-              <a:ext uri="{FF2B5EF4-FFF2-40B4-BE49-F238E27FC236}">
-                <a16:creationId xmlns:a16="http://schemas.microsoft.com/office/drawing/2014/main" id="{EAB2290B-D37E-4DBD-B756-3485B8EEFA4C}"/>
-              </a:ext>
-            </a:extLst>
-          </p:cNvPr>
+          <p:cNvPr id="2" name="Title 1"/>
           <p:cNvSpPr>
             <a:spLocks noGrp="1"/>
           </p:cNvSpPr>
@@ -2716,20 +2457,15 @@
               <a:rPr lang="en-US"/>
               <a:t>Click to edit Master title style</a:t>
             </a:r>
-          </a:p>
-        </p:txBody>
-      </p:sp>
-      <p:sp>
-        <p:nvSpPr>
-          <p:cNvPr id="3" name="Picture Placeholder 2">
-            <a:extLst>
-              <a:ext uri="{FF2B5EF4-FFF2-40B4-BE49-F238E27FC236}">
-                <a16:creationId xmlns:a16="http://schemas.microsoft.com/office/drawing/2014/main" id="{7ADBE08F-6613-4551-8DC7-5929B105A76D}"/>
-              </a:ext>
-            </a:extLst>
-          </p:cNvPr>
-          <p:cNvSpPr>
-            <a:spLocks noGrp="1"/>
+            <a:endParaRPr lang="en-US" dirty="0"/>
+          </a:p>
+        </p:txBody>
+      </p:sp>
+      <p:sp>
+        <p:nvSpPr>
+          <p:cNvPr id="3" name="Picture Placeholder 2"/>
+          <p:cNvSpPr>
+            <a:spLocks noGrp="1" noChangeAspect="1"/>
           </p:cNvSpPr>
           <p:nvPr>
             <p:ph type="pic" idx="1"/>
@@ -2742,7 +2478,7 @@
           </a:xfrm>
         </p:spPr>
         <p:txBody>
-          <a:bodyPr/>
+          <a:bodyPr anchor="t"/>
           <a:lstStyle>
             <a:lvl1pPr marL="0" indent="0">
               <a:buNone/>
@@ -2786,18 +2522,13 @@
               <a:rPr lang="en-US"/>
               <a:t>Click icon to add picture</a:t>
             </a:r>
-          </a:p>
-        </p:txBody>
-      </p:sp>
-      <p:sp>
-        <p:nvSpPr>
-          <p:cNvPr id="4" name="Text Placeholder 3">
-            <a:extLst>
-              <a:ext uri="{FF2B5EF4-FFF2-40B4-BE49-F238E27FC236}">
-                <a16:creationId xmlns:a16="http://schemas.microsoft.com/office/drawing/2014/main" id="{3C57485E-F3F9-4932-98DC-98E014F08D5E}"/>
-              </a:ext>
-            </a:extLst>
-          </p:cNvPr>
+            <a:endParaRPr lang="en-US" dirty="0"/>
+          </a:p>
+        </p:txBody>
+      </p:sp>
+      <p:sp>
+        <p:nvSpPr>
+          <p:cNvPr id="4" name="Text Placeholder 3"/>
           <p:cNvSpPr>
             <a:spLocks noGrp="1"/>
           </p:cNvSpPr>
@@ -2862,13 +2593,7 @@
       </p:sp>
       <p:sp>
         <p:nvSpPr>
-          <p:cNvPr id="5" name="Date Placeholder 4">
-            <a:extLst>
-              <a:ext uri="{FF2B5EF4-FFF2-40B4-BE49-F238E27FC236}">
-                <a16:creationId xmlns:a16="http://schemas.microsoft.com/office/drawing/2014/main" id="{818A68BE-5783-463D-A006-FAD8AD718C8C}"/>
-              </a:ext>
-            </a:extLst>
-          </p:cNvPr>
+          <p:cNvPr id="5" name="Date Placeholder 4"/>
           <p:cNvSpPr>
             <a:spLocks noGrp="1"/>
           </p:cNvSpPr>
@@ -2883,7 +2608,7 @@
           <a:p>
             <a:fld id="{A2550B9F-FACE-4A07-A3D2-A9E9A585FBCA}" type="datetimeFigureOut">
               <a:rPr lang="en-US" smtClean="0"/>
-              <a:t>7/3/2018</a:t>
+              <a:t>7/7/18</a:t>
             </a:fld>
             <a:endParaRPr lang="en-US"/>
           </a:p>
@@ -2891,13 +2616,7 @@
       </p:sp>
       <p:sp>
         <p:nvSpPr>
-          <p:cNvPr id="6" name="Footer Placeholder 5">
-            <a:extLst>
-              <a:ext uri="{FF2B5EF4-FFF2-40B4-BE49-F238E27FC236}">
-                <a16:creationId xmlns:a16="http://schemas.microsoft.com/office/drawing/2014/main" id="{CCC59D02-35F8-442A-97D8-AC9D9C4A1A0C}"/>
-              </a:ext>
-            </a:extLst>
-          </p:cNvPr>
+          <p:cNvPr id="6" name="Footer Placeholder 5"/>
           <p:cNvSpPr>
             <a:spLocks noGrp="1"/>
           </p:cNvSpPr>
@@ -2916,13 +2635,7 @@
       </p:sp>
       <p:sp>
         <p:nvSpPr>
-          <p:cNvPr id="7" name="Slide Number Placeholder 6">
-            <a:extLst>
-              <a:ext uri="{FF2B5EF4-FFF2-40B4-BE49-F238E27FC236}">
-                <a16:creationId xmlns:a16="http://schemas.microsoft.com/office/drawing/2014/main" id="{EF7D099D-1551-446A-88BF-47E33F3E96F4}"/>
-              </a:ext>
-            </a:extLst>
-          </p:cNvPr>
+          <p:cNvPr id="7" name="Slide Number Placeholder 6"/>
           <p:cNvSpPr>
             <a:spLocks noGrp="1"/>
           </p:cNvSpPr>
@@ -2946,7 +2659,7 @@
     </p:spTree>
     <p:extLst>
       <p:ext uri="{BB962C8B-B14F-4D97-AF65-F5344CB8AC3E}">
-        <p14:creationId xmlns:p14="http://schemas.microsoft.com/office/powerpoint/2010/main" val="4276675018"/>
+        <p14:creationId xmlns:p14="http://schemas.microsoft.com/office/powerpoint/2010/main" val="2123123347"/>
       </p:ext>
     </p:extLst>
   </p:cSld>
@@ -2980,13 +2693,7 @@
       </p:grpSpPr>
       <p:sp>
         <p:nvSpPr>
-          <p:cNvPr id="2" name="Title Placeholder 1">
-            <a:extLst>
-              <a:ext uri="{FF2B5EF4-FFF2-40B4-BE49-F238E27FC236}">
-                <a16:creationId xmlns:a16="http://schemas.microsoft.com/office/drawing/2014/main" id="{E3E94857-1A6C-4C32-8D36-CB6C2989C893}"/>
-              </a:ext>
-            </a:extLst>
-          </p:cNvPr>
+          <p:cNvPr id="2" name="Title Placeholder 1"/>
           <p:cNvSpPr>
             <a:spLocks noGrp="1"/>
           </p:cNvSpPr>
@@ -3013,18 +2720,13 @@
               <a:rPr lang="en-US"/>
               <a:t>Click to edit Master title style</a:t>
             </a:r>
-          </a:p>
-        </p:txBody>
-      </p:sp>
-      <p:sp>
-        <p:nvSpPr>
-          <p:cNvPr id="3" name="Text Placeholder 2">
-            <a:extLst>
-              <a:ext uri="{FF2B5EF4-FFF2-40B4-BE49-F238E27FC236}">
-                <a16:creationId xmlns:a16="http://schemas.microsoft.com/office/drawing/2014/main" id="{9706E7ED-6D60-46A2-AD07-1E31CF16F939}"/>
-              </a:ext>
-            </a:extLst>
-          </p:cNvPr>
+            <a:endParaRPr lang="en-US" dirty="0"/>
+          </a:p>
+        </p:txBody>
+      </p:sp>
+      <p:sp>
+        <p:nvSpPr>
+          <p:cNvPr id="3" name="Text Placeholder 2"/>
           <p:cNvSpPr>
             <a:spLocks noGrp="1"/>
           </p:cNvSpPr>
@@ -3080,18 +2782,13 @@
               <a:rPr lang="en-US"/>
               <a:t>Fifth level</a:t>
             </a:r>
-          </a:p>
-        </p:txBody>
-      </p:sp>
-      <p:sp>
-        <p:nvSpPr>
-          <p:cNvPr id="4" name="Date Placeholder 3">
-            <a:extLst>
-              <a:ext uri="{FF2B5EF4-FFF2-40B4-BE49-F238E27FC236}">
-                <a16:creationId xmlns:a16="http://schemas.microsoft.com/office/drawing/2014/main" id="{C6AE4CD0-4648-4CA6-AB3A-5D00C5C9A7DA}"/>
-              </a:ext>
-            </a:extLst>
-          </p:cNvPr>
+            <a:endParaRPr lang="en-US" dirty="0"/>
+          </a:p>
+        </p:txBody>
+      </p:sp>
+      <p:sp>
+        <p:nvSpPr>
+          <p:cNvPr id="4" name="Date Placeholder 3"/>
           <p:cNvSpPr>
             <a:spLocks noGrp="1"/>
           </p:cNvSpPr>
@@ -3124,7 +2821,7 @@
           <a:p>
             <a:fld id="{A2550B9F-FACE-4A07-A3D2-A9E9A585FBCA}" type="datetimeFigureOut">
               <a:rPr lang="en-US" smtClean="0"/>
-              <a:t>7/3/2018</a:t>
+              <a:t>7/7/18</a:t>
             </a:fld>
             <a:endParaRPr lang="en-US"/>
           </a:p>
@@ -3132,13 +2829,7 @@
       </p:sp>
       <p:sp>
         <p:nvSpPr>
-          <p:cNvPr id="5" name="Footer Placeholder 4">
-            <a:extLst>
-              <a:ext uri="{FF2B5EF4-FFF2-40B4-BE49-F238E27FC236}">
-                <a16:creationId xmlns:a16="http://schemas.microsoft.com/office/drawing/2014/main" id="{69FCED07-22D9-4B9F-9F50-3A360E2590DD}"/>
-              </a:ext>
-            </a:extLst>
-          </p:cNvPr>
+          <p:cNvPr id="5" name="Footer Placeholder 4"/>
           <p:cNvSpPr>
             <a:spLocks noGrp="1"/>
           </p:cNvSpPr>
@@ -3175,13 +2866,7 @@
       </p:sp>
       <p:sp>
         <p:nvSpPr>
-          <p:cNvPr id="6" name="Slide Number Placeholder 5">
-            <a:extLst>
-              <a:ext uri="{FF2B5EF4-FFF2-40B4-BE49-F238E27FC236}">
-                <a16:creationId xmlns:a16="http://schemas.microsoft.com/office/drawing/2014/main" id="{F4A0CEE3-517D-4BD0-888E-CBE5B679094F}"/>
-              </a:ext>
-            </a:extLst>
-          </p:cNvPr>
+          <p:cNvPr id="6" name="Slide Number Placeholder 5"/>
           <p:cNvSpPr>
             <a:spLocks noGrp="1"/>
           </p:cNvSpPr>
@@ -3223,24 +2908,24 @@
     </p:spTree>
     <p:extLst>
       <p:ext uri="{BB962C8B-B14F-4D97-AF65-F5344CB8AC3E}">
-        <p14:creationId xmlns:p14="http://schemas.microsoft.com/office/powerpoint/2010/main" val="2235712294"/>
+        <p14:creationId xmlns:p14="http://schemas.microsoft.com/office/powerpoint/2010/main" val="461523791"/>
       </p:ext>
     </p:extLst>
   </p:cSld>
-  <p:clrMap bg1="lt1" tx1="dk1" bg2="lt2" tx2="dk2" accent1="accent1" accent2="accent2" accent3="accent3" accent4="accent4" accent5="accent5" accent6="accent6" hlink="hlink" folHlink="folHlink"/>
+  <p:clrMap bg1="dk1" tx1="lt1" bg2="dk2" tx2="lt2" accent1="accent1" accent2="accent2" accent3="accent3" accent4="accent4" accent5="accent5" accent6="accent6" hlink="hlink" folHlink="folHlink"/>
   <p:sldLayoutIdLst>
-    <p:sldLayoutId id="2147483649" r:id="rId1"/>
-    <p:sldLayoutId id="2147483650" r:id="rId2"/>
-    <p:sldLayoutId id="2147483651" r:id="rId3"/>
-    <p:sldLayoutId id="2147483652" r:id="rId4"/>
-    <p:sldLayoutId id="2147483653" r:id="rId5"/>
-    <p:sldLayoutId id="2147483654" r:id="rId6"/>
-    <p:sldLayoutId id="2147483655" r:id="rId7"/>
-    <p:sldLayoutId id="2147483656" r:id="rId8"/>
-    <p:sldLayoutId id="2147483657" r:id="rId9"/>
-    <p:sldLayoutId id="2147483658" r:id="rId10"/>
-    <p:sldLayoutId id="2147483659" r:id="rId11"/>
-    <p:sldLayoutId id="2147483660" r:id="rId12"/>
+    <p:sldLayoutId id="2147483662" r:id="rId1"/>
+    <p:sldLayoutId id="2147483663" r:id="rId2"/>
+    <p:sldLayoutId id="2147483664" r:id="rId3"/>
+    <p:sldLayoutId id="2147483665" r:id="rId4"/>
+    <p:sldLayoutId id="2147483666" r:id="rId5"/>
+    <p:sldLayoutId id="2147483667" r:id="rId6"/>
+    <p:sldLayoutId id="2147483668" r:id="rId7"/>
+    <p:sldLayoutId id="2147483669" r:id="rId8"/>
+    <p:sldLayoutId id="2147483670" r:id="rId9"/>
+    <p:sldLayoutId id="2147483671" r:id="rId10"/>
+    <p:sldLayoutId id="2147483672" r:id="rId11"/>
+    <p:sldLayoutId id="2147483673" r:id="rId12"/>
   </p:sldLayoutIdLst>
   <p:txStyles>
     <p:titleStyle>
@@ -3641,7 +3326,7 @@
           <p:cNvPr id="2" name="Title 1">
             <a:extLst>
               <a:ext uri="{FF2B5EF4-FFF2-40B4-BE49-F238E27FC236}">
-                <a16:creationId xmlns:a16="http://schemas.microsoft.com/office/drawing/2014/main" id="{18D185DB-5E52-48E1-8068-BCE8636C8282}"/>
+                <a16:creationId xmlns:a16="http://schemas.microsoft.com/office/drawing/2014/main" id="{9FA857DC-69AC-49EC-AF29-39C9941ADA8F}"/>
               </a:ext>
             </a:extLst>
           </p:cNvPr>
@@ -3669,7 +3354,7 @@
           <p:cNvPr id="3" name="Text Placeholder 2">
             <a:extLst>
               <a:ext uri="{FF2B5EF4-FFF2-40B4-BE49-F238E27FC236}">
-                <a16:creationId xmlns:a16="http://schemas.microsoft.com/office/drawing/2014/main" id="{5F7AFF48-7D2E-4EA3-BB5E-6D2F051B9A07}"/>
+                <a16:creationId xmlns:a16="http://schemas.microsoft.com/office/drawing/2014/main" id="{5CCD4F9A-9AF5-4AE4-B187-07AD0E803892}"/>
               </a:ext>
             </a:extLst>
           </p:cNvPr>
@@ -3685,39 +3370,14 @@
           <a:bodyPr/>
           <a:lstStyle/>
           <a:p>
-            <a:pPr lvl="0"/>
-            <a:r>
-              <a:rPr lang="en-US"/>
-              <a:t>Grander earth has quaked before</a:t>
-            </a:r>
-          </a:p>
-          <a:p>
-            <a:pPr lvl="0"/>
-            <a:r>
-              <a:rPr lang="en-US"/>
-              <a:t>Moved by the sound of His voice</a:t>
-            </a:r>
-          </a:p>
-          <a:p>
-            <a:pPr lvl="0"/>
-            <a:r>
-              <a:rPr lang="en-US"/>
-              <a:t>Seas that are shaken and stirred</a:t>
-            </a:r>
-          </a:p>
-          <a:p>
-            <a:pPr lvl="0"/>
-            <a:r>
-              <a:rPr lang="en-US"/>
-              <a:t>Can be calmed and broken for my regard</a:t>
-            </a:r>
+            <a:endParaRPr lang="en-US"/>
           </a:p>
         </p:txBody>
       </p:sp>
     </p:spTree>
     <p:extLst>
       <p:ext uri="{BB962C8B-B14F-4D97-AF65-F5344CB8AC3E}">
-        <p14:creationId xmlns:p14="http://schemas.microsoft.com/office/powerpoint/2010/main" val="1245148860"/>
+        <p14:creationId xmlns:p14="http://schemas.microsoft.com/office/powerpoint/2010/main" val="3082420856"/>
       </p:ext>
     </p:extLst>
   </p:cSld>
@@ -3749,7 +3409,7 @@
           <p:cNvPr id="2" name="Title 1">
             <a:extLst>
               <a:ext uri="{FF2B5EF4-FFF2-40B4-BE49-F238E27FC236}">
-                <a16:creationId xmlns:a16="http://schemas.microsoft.com/office/drawing/2014/main" id="{8CACAEBB-F67E-4A60-95BD-235861BE8CA3}"/>
+                <a16:creationId xmlns:a16="http://schemas.microsoft.com/office/drawing/2014/main" id="{18D185DB-5E52-48E1-8068-BCE8636C8282}"/>
               </a:ext>
             </a:extLst>
           </p:cNvPr>
@@ -3777,7 +3437,7 @@
           <p:cNvPr id="3" name="Text Placeholder 2">
             <a:extLst>
               <a:ext uri="{FF2B5EF4-FFF2-40B4-BE49-F238E27FC236}">
-                <a16:creationId xmlns:a16="http://schemas.microsoft.com/office/drawing/2014/main" id="{1BDBA03D-FC97-4DFD-AF9A-E15179DFD7B2}"/>
+                <a16:creationId xmlns:a16="http://schemas.microsoft.com/office/drawing/2014/main" id="{5F7AFF48-7D2E-4EA3-BB5E-6D2F051B9A07}"/>
               </a:ext>
             </a:extLst>
           </p:cNvPr>
@@ -3796,28 +3456,28 @@
             <a:pPr lvl="0"/>
             <a:r>
               <a:rPr lang="en-US"/>
-              <a:t>Through it all, through it all</a:t>
-            </a:r>
-          </a:p>
-          <a:p>
-            <a:pPr lvl="0"/>
-            <a:r>
-              <a:rPr lang="en-US"/>
-              <a:t>My eyes are on You</a:t>
-            </a:r>
-          </a:p>
-          <a:p>
-            <a:pPr lvl="0"/>
-            <a:r>
-              <a:rPr lang="en-US"/>
-              <a:t>Through it all, through it all</a:t>
-            </a:r>
-          </a:p>
-          <a:p>
-            <a:pPr lvl="0"/>
-            <a:r>
-              <a:rPr lang="en-US"/>
-              <a:t>It is well</a:t>
+              <a:t>Grander earth has quaked before</a:t>
+            </a:r>
+          </a:p>
+          <a:p>
+            <a:pPr lvl="0"/>
+            <a:r>
+              <a:rPr lang="en-US"/>
+              <a:t>Moved by the sound of His voice</a:t>
+            </a:r>
+          </a:p>
+          <a:p>
+            <a:pPr lvl="0"/>
+            <a:r>
+              <a:rPr lang="en-US"/>
+              <a:t>Seas that are shaken and stirred</a:t>
+            </a:r>
+          </a:p>
+          <a:p>
+            <a:pPr lvl="0"/>
+            <a:r>
+              <a:rPr lang="en-US"/>
+              <a:t>Can be calmed and broken for my regard</a:t>
             </a:r>
           </a:p>
         </p:txBody>
@@ -3825,7 +3485,7 @@
     </p:spTree>
     <p:extLst>
       <p:ext uri="{BB962C8B-B14F-4D97-AF65-F5344CB8AC3E}">
-        <p14:creationId xmlns:p14="http://schemas.microsoft.com/office/powerpoint/2010/main" val="1267997095"/>
+        <p14:creationId xmlns:p14="http://schemas.microsoft.com/office/powerpoint/2010/main" val="1245148860"/>
       </p:ext>
     </p:extLst>
   </p:cSld>
@@ -3857,7 +3517,7 @@
           <p:cNvPr id="2" name="Title 1">
             <a:extLst>
               <a:ext uri="{FF2B5EF4-FFF2-40B4-BE49-F238E27FC236}">
-                <a16:creationId xmlns:a16="http://schemas.microsoft.com/office/drawing/2014/main" id="{5D9D5FB6-B0B9-4B43-999E-B39648FE5CE6}"/>
+                <a16:creationId xmlns:a16="http://schemas.microsoft.com/office/drawing/2014/main" id="{8CACAEBB-F67E-4A60-95BD-235861BE8CA3}"/>
               </a:ext>
             </a:extLst>
           </p:cNvPr>
@@ -3885,7 +3545,7 @@
           <p:cNvPr id="3" name="Text Placeholder 2">
             <a:extLst>
               <a:ext uri="{FF2B5EF4-FFF2-40B4-BE49-F238E27FC236}">
-                <a16:creationId xmlns:a16="http://schemas.microsoft.com/office/drawing/2014/main" id="{E9C626E3-6A30-4EFD-B8A5-43D8DF1BF2B3}"/>
+                <a16:creationId xmlns:a16="http://schemas.microsoft.com/office/drawing/2014/main" id="{1BDBA03D-FC97-4DFD-AF9A-E15179DFD7B2}"/>
               </a:ext>
             </a:extLst>
           </p:cNvPr>
@@ -3918,7 +3578,14 @@
             <a:pPr lvl="0"/>
             <a:r>
               <a:rPr lang="en-US"/>
-              <a:t>It is well with me</a:t>
+              <a:t>Through it all, through it all</a:t>
+            </a:r>
+          </a:p>
+          <a:p>
+            <a:pPr lvl="0"/>
+            <a:r>
+              <a:rPr lang="en-US"/>
+              <a:t>It is well</a:t>
             </a:r>
           </a:p>
         </p:txBody>
@@ -3926,7 +3593,7 @@
     </p:spTree>
     <p:extLst>
       <p:ext uri="{BB962C8B-B14F-4D97-AF65-F5344CB8AC3E}">
-        <p14:creationId xmlns:p14="http://schemas.microsoft.com/office/powerpoint/2010/main" val="3419005730"/>
+        <p14:creationId xmlns:p14="http://schemas.microsoft.com/office/powerpoint/2010/main" val="1267997095"/>
       </p:ext>
     </p:extLst>
   </p:cSld>
@@ -3958,7 +3625,7 @@
           <p:cNvPr id="2" name="Title 1">
             <a:extLst>
               <a:ext uri="{FF2B5EF4-FFF2-40B4-BE49-F238E27FC236}">
-                <a16:creationId xmlns:a16="http://schemas.microsoft.com/office/drawing/2014/main" id="{BA2D63AE-2FEC-442F-8BA0-48DECF611776}"/>
+                <a16:creationId xmlns:a16="http://schemas.microsoft.com/office/drawing/2014/main" id="{5D9D5FB6-B0B9-4B43-999E-B39648FE5CE6}"/>
               </a:ext>
             </a:extLst>
           </p:cNvPr>
@@ -3986,7 +3653,7 @@
           <p:cNvPr id="3" name="Text Placeholder 2">
             <a:extLst>
               <a:ext uri="{FF2B5EF4-FFF2-40B4-BE49-F238E27FC236}">
-                <a16:creationId xmlns:a16="http://schemas.microsoft.com/office/drawing/2014/main" id="{40B43FB4-1BCC-49B7-ADD6-BA455658745B}"/>
+                <a16:creationId xmlns:a16="http://schemas.microsoft.com/office/drawing/2014/main" id="{E9C626E3-6A30-4EFD-B8A5-43D8DF1BF2B3}"/>
               </a:ext>
             </a:extLst>
           </p:cNvPr>
@@ -4005,28 +3672,21 @@
             <a:pPr lvl="0"/>
             <a:r>
               <a:rPr lang="en-US"/>
-              <a:t>Far be it from me to not believe</a:t>
-            </a:r>
-          </a:p>
-          <a:p>
-            <a:pPr lvl="0"/>
-            <a:r>
-              <a:rPr lang="en-US"/>
-              <a:t>Even when my eyes can't see</a:t>
-            </a:r>
-          </a:p>
-          <a:p>
-            <a:pPr lvl="0"/>
-            <a:r>
-              <a:rPr lang="en-US"/>
-              <a:t>And this mountain that's in front of me</a:t>
-            </a:r>
-          </a:p>
-          <a:p>
-            <a:pPr lvl="0"/>
-            <a:r>
-              <a:rPr lang="en-US"/>
-              <a:t>Will be thrown into the midst of the sea</a:t>
+              <a:t>Through it all, through it all</a:t>
+            </a:r>
+          </a:p>
+          <a:p>
+            <a:pPr lvl="0"/>
+            <a:r>
+              <a:rPr lang="en-US"/>
+              <a:t>My eyes are on You</a:t>
+            </a:r>
+          </a:p>
+          <a:p>
+            <a:pPr lvl="0"/>
+            <a:r>
+              <a:rPr lang="en-US"/>
+              <a:t>It is well with me</a:t>
             </a:r>
           </a:p>
         </p:txBody>
@@ -4034,7 +3694,7 @@
     </p:spTree>
     <p:extLst>
       <p:ext uri="{BB962C8B-B14F-4D97-AF65-F5344CB8AC3E}">
-        <p14:creationId xmlns:p14="http://schemas.microsoft.com/office/powerpoint/2010/main" val="1253591487"/>
+        <p14:creationId xmlns:p14="http://schemas.microsoft.com/office/powerpoint/2010/main" val="3419005730"/>
       </p:ext>
     </p:extLst>
   </p:cSld>
@@ -4066,7 +3726,7 @@
           <p:cNvPr id="2" name="Title 1">
             <a:extLst>
               <a:ext uri="{FF2B5EF4-FFF2-40B4-BE49-F238E27FC236}">
-                <a16:creationId xmlns:a16="http://schemas.microsoft.com/office/drawing/2014/main" id="{87828D27-2CED-4D84-B0E6-C5E6CBFA8266}"/>
+                <a16:creationId xmlns:a16="http://schemas.microsoft.com/office/drawing/2014/main" id="{BA2D63AE-2FEC-442F-8BA0-48DECF611776}"/>
               </a:ext>
             </a:extLst>
           </p:cNvPr>
@@ -4094,7 +3754,7 @@
           <p:cNvPr id="3" name="Text Placeholder 2">
             <a:extLst>
               <a:ext uri="{FF2B5EF4-FFF2-40B4-BE49-F238E27FC236}">
-                <a16:creationId xmlns:a16="http://schemas.microsoft.com/office/drawing/2014/main" id="{16FEA259-F4E7-4244-9C04-E7FA41FE78CE}"/>
+                <a16:creationId xmlns:a16="http://schemas.microsoft.com/office/drawing/2014/main" id="{40B43FB4-1BCC-49B7-ADD6-BA455658745B}"/>
               </a:ext>
             </a:extLst>
           </p:cNvPr>
@@ -4113,28 +3773,28 @@
             <a:pPr lvl="0"/>
             <a:r>
               <a:rPr lang="en-US"/>
-              <a:t>Through it all, through it all</a:t>
-            </a:r>
-          </a:p>
-          <a:p>
-            <a:pPr lvl="0"/>
-            <a:r>
-              <a:rPr lang="en-US"/>
-              <a:t>My eyes are on You</a:t>
-            </a:r>
-          </a:p>
-          <a:p>
-            <a:pPr lvl="0"/>
-            <a:r>
-              <a:rPr lang="en-US"/>
-              <a:t>Through it all, through it all</a:t>
-            </a:r>
-          </a:p>
-          <a:p>
-            <a:pPr lvl="0"/>
-            <a:r>
-              <a:rPr lang="en-US"/>
-              <a:t>It is well</a:t>
+              <a:t>Far be it from me to not believe</a:t>
+            </a:r>
+          </a:p>
+          <a:p>
+            <a:pPr lvl="0"/>
+            <a:r>
+              <a:rPr lang="en-US"/>
+              <a:t>Even when my eyes can't see</a:t>
+            </a:r>
+          </a:p>
+          <a:p>
+            <a:pPr lvl="0"/>
+            <a:r>
+              <a:rPr lang="en-US"/>
+              <a:t>And this mountain that's in front of me</a:t>
+            </a:r>
+          </a:p>
+          <a:p>
+            <a:pPr lvl="0"/>
+            <a:r>
+              <a:rPr lang="en-US"/>
+              <a:t>Will be thrown into the midst of the sea</a:t>
             </a:r>
           </a:p>
         </p:txBody>
@@ -4142,7 +3802,7 @@
     </p:spTree>
     <p:extLst>
       <p:ext uri="{BB962C8B-B14F-4D97-AF65-F5344CB8AC3E}">
-        <p14:creationId xmlns:p14="http://schemas.microsoft.com/office/powerpoint/2010/main" val="3605419771"/>
+        <p14:creationId xmlns:p14="http://schemas.microsoft.com/office/powerpoint/2010/main" val="1253591487"/>
       </p:ext>
     </p:extLst>
   </p:cSld>
@@ -4174,7 +3834,7 @@
           <p:cNvPr id="2" name="Title 1">
             <a:extLst>
               <a:ext uri="{FF2B5EF4-FFF2-40B4-BE49-F238E27FC236}">
-                <a16:creationId xmlns:a16="http://schemas.microsoft.com/office/drawing/2014/main" id="{F3FB7C2F-F631-4FDB-B752-37C541ECE0C0}"/>
+                <a16:creationId xmlns:a16="http://schemas.microsoft.com/office/drawing/2014/main" id="{87828D27-2CED-4D84-B0E6-C5E6CBFA8266}"/>
               </a:ext>
             </a:extLst>
           </p:cNvPr>
@@ -4202,7 +3862,7 @@
           <p:cNvPr id="3" name="Text Placeholder 2">
             <a:extLst>
               <a:ext uri="{FF2B5EF4-FFF2-40B4-BE49-F238E27FC236}">
-                <a16:creationId xmlns:a16="http://schemas.microsoft.com/office/drawing/2014/main" id="{EED04F16-A658-4E7D-898D-FF5E5F97E683}"/>
+                <a16:creationId xmlns:a16="http://schemas.microsoft.com/office/drawing/2014/main" id="{16FEA259-F4E7-4244-9C04-E7FA41FE78CE}"/>
               </a:ext>
             </a:extLst>
           </p:cNvPr>
@@ -4221,14 +3881,28 @@
             <a:pPr lvl="0"/>
             <a:r>
               <a:rPr lang="en-US"/>
-              <a:t>So let go my soul and trust in Him</a:t>
-            </a:r>
-          </a:p>
-          <a:p>
-            <a:pPr lvl="0"/>
-            <a:r>
-              <a:rPr lang="en-US"/>
-              <a:t>The waves and wind still know His name </a:t>
+              <a:t>Through it all, through it all</a:t>
+            </a:r>
+          </a:p>
+          <a:p>
+            <a:pPr lvl="0"/>
+            <a:r>
+              <a:rPr lang="en-US"/>
+              <a:t>My eyes are on You</a:t>
+            </a:r>
+          </a:p>
+          <a:p>
+            <a:pPr lvl="0"/>
+            <a:r>
+              <a:rPr lang="en-US"/>
+              <a:t>Through it all, through it all</a:t>
+            </a:r>
+          </a:p>
+          <a:p>
+            <a:pPr lvl="0"/>
+            <a:r>
+              <a:rPr lang="en-US"/>
+              <a:t>It is well</a:t>
             </a:r>
           </a:p>
         </p:txBody>
@@ -4236,7 +3910,7 @@
     </p:spTree>
     <p:extLst>
       <p:ext uri="{BB962C8B-B14F-4D97-AF65-F5344CB8AC3E}">
-        <p14:creationId xmlns:p14="http://schemas.microsoft.com/office/powerpoint/2010/main" val="4193985939"/>
+        <p14:creationId xmlns:p14="http://schemas.microsoft.com/office/powerpoint/2010/main" val="3605419771"/>
       </p:ext>
     </p:extLst>
   </p:cSld>
@@ -4268,7 +3942,7 @@
           <p:cNvPr id="2" name="Title 1">
             <a:extLst>
               <a:ext uri="{FF2B5EF4-FFF2-40B4-BE49-F238E27FC236}">
-                <a16:creationId xmlns:a16="http://schemas.microsoft.com/office/drawing/2014/main" id="{1B960594-D047-409D-8A32-0D4CCAD7355C}"/>
+                <a16:creationId xmlns:a16="http://schemas.microsoft.com/office/drawing/2014/main" id="{F3FB7C2F-F631-4FDB-B752-37C541ECE0C0}"/>
               </a:ext>
             </a:extLst>
           </p:cNvPr>
@@ -4286,7 +3960,7 @@
           <a:p>
             <a:r>
               <a:rPr lang="en-US"/>
-              <a:t>Everything</a:t>
+              <a:t>It Is Well</a:t>
             </a:r>
           </a:p>
         </p:txBody>
@@ -4296,7 +3970,7 @@
           <p:cNvPr id="3" name="Text Placeholder 2">
             <a:extLst>
               <a:ext uri="{FF2B5EF4-FFF2-40B4-BE49-F238E27FC236}">
-                <a16:creationId xmlns:a16="http://schemas.microsoft.com/office/drawing/2014/main" id="{20EE076D-70BF-429E-AB62-2CB1579E2338}"/>
+                <a16:creationId xmlns:a16="http://schemas.microsoft.com/office/drawing/2014/main" id="{EED04F16-A658-4E7D-898D-FF5E5F97E683}"/>
               </a:ext>
             </a:extLst>
           </p:cNvPr>
@@ -4312,14 +3986,25 @@
           <a:bodyPr/>
           <a:lstStyle/>
           <a:p>
-            <a:endParaRPr lang="en-US"/>
+            <a:pPr lvl="0"/>
+            <a:r>
+              <a:rPr lang="en-US"/>
+              <a:t>So let go my soul and trust in Him</a:t>
+            </a:r>
+          </a:p>
+          <a:p>
+            <a:pPr lvl="0"/>
+            <a:r>
+              <a:rPr lang="en-US"/>
+              <a:t>The waves and wind still know His name </a:t>
+            </a:r>
           </a:p>
         </p:txBody>
       </p:sp>
     </p:spTree>
     <p:extLst>
       <p:ext uri="{BB962C8B-B14F-4D97-AF65-F5344CB8AC3E}">
-        <p14:creationId xmlns:p14="http://schemas.microsoft.com/office/powerpoint/2010/main" val="2011570845"/>
+        <p14:creationId xmlns:p14="http://schemas.microsoft.com/office/powerpoint/2010/main" val="4193985939"/>
       </p:ext>
     </p:extLst>
   </p:cSld>
@@ -4351,7 +4036,7 @@
           <p:cNvPr id="2" name="Title 1">
             <a:extLst>
               <a:ext uri="{FF2B5EF4-FFF2-40B4-BE49-F238E27FC236}">
-                <a16:creationId xmlns:a16="http://schemas.microsoft.com/office/drawing/2014/main" id="{55133BBA-462A-4A0D-B082-484F188B5655}"/>
+                <a16:creationId xmlns:a16="http://schemas.microsoft.com/office/drawing/2014/main" id="{1B960594-D047-409D-8A32-0D4CCAD7355C}"/>
               </a:ext>
             </a:extLst>
           </p:cNvPr>
@@ -4379,7 +4064,7 @@
           <p:cNvPr id="3" name="Text Placeholder 2">
             <a:extLst>
               <a:ext uri="{FF2B5EF4-FFF2-40B4-BE49-F238E27FC236}">
-                <a16:creationId xmlns:a16="http://schemas.microsoft.com/office/drawing/2014/main" id="{1BE6973A-A132-4572-8487-164EF7F91275}"/>
+                <a16:creationId xmlns:a16="http://schemas.microsoft.com/office/drawing/2014/main" id="{20EE076D-70BF-429E-AB62-2CB1579E2338}"/>
               </a:ext>
             </a:extLst>
           </p:cNvPr>
@@ -4395,39 +4080,14 @@
           <a:bodyPr/>
           <a:lstStyle/>
           <a:p>
-            <a:pPr lvl="0"/>
-            <a:r>
-              <a:rPr lang="en-US" dirty="0"/>
-              <a:t>Find me here, speak to me</a:t>
-            </a:r>
-          </a:p>
-          <a:p>
-            <a:pPr lvl="0"/>
-            <a:r>
-              <a:rPr lang="en-US" dirty="0"/>
-              <a:t>I want to feel You, I need to hear You</a:t>
-            </a:r>
-          </a:p>
-          <a:p>
-            <a:pPr lvl="0"/>
-            <a:r>
-              <a:rPr lang="en-US" dirty="0"/>
-              <a:t>You are the light that's leading me</a:t>
-            </a:r>
-          </a:p>
-          <a:p>
-            <a:pPr lvl="0"/>
-            <a:r>
-              <a:rPr lang="en-US"/>
-              <a:t>To the place where I find peace again</a:t>
-            </a:r>
+            <a:endParaRPr lang="en-US"/>
           </a:p>
         </p:txBody>
       </p:sp>
     </p:spTree>
     <p:extLst>
       <p:ext uri="{BB962C8B-B14F-4D97-AF65-F5344CB8AC3E}">
-        <p14:creationId xmlns:p14="http://schemas.microsoft.com/office/powerpoint/2010/main" val="447114443"/>
+        <p14:creationId xmlns:p14="http://schemas.microsoft.com/office/powerpoint/2010/main" val="2011570845"/>
       </p:ext>
     </p:extLst>
   </p:cSld>
@@ -4459,7 +4119,7 @@
           <p:cNvPr id="2" name="Title 1">
             <a:extLst>
               <a:ext uri="{FF2B5EF4-FFF2-40B4-BE49-F238E27FC236}">
-                <a16:creationId xmlns:a16="http://schemas.microsoft.com/office/drawing/2014/main" id="{B2FCD4E5-A3EB-40C9-9AE2-C7E02AA8EB17}"/>
+                <a16:creationId xmlns:a16="http://schemas.microsoft.com/office/drawing/2014/main" id="{55133BBA-462A-4A0D-B082-484F188B5655}"/>
               </a:ext>
             </a:extLst>
           </p:cNvPr>
@@ -4487,7 +4147,7 @@
           <p:cNvPr id="3" name="Text Placeholder 2">
             <a:extLst>
               <a:ext uri="{FF2B5EF4-FFF2-40B4-BE49-F238E27FC236}">
-                <a16:creationId xmlns:a16="http://schemas.microsoft.com/office/drawing/2014/main" id="{E5202B9C-6814-4285-8AC5-A54895492CE5}"/>
+                <a16:creationId xmlns:a16="http://schemas.microsoft.com/office/drawing/2014/main" id="{1BE6973A-A132-4572-8487-164EF7F91275}"/>
               </a:ext>
             </a:extLst>
           </p:cNvPr>
@@ -4505,29 +4165,29 @@
           <a:p>
             <a:pPr lvl="0"/>
             <a:r>
-              <a:rPr lang="en-US"/>
-              <a:t>You are the strength that keeps me walking</a:t>
-            </a:r>
-          </a:p>
-          <a:p>
-            <a:pPr lvl="0"/>
-            <a:r>
-              <a:rPr lang="en-US"/>
-              <a:t>You are the hope that keeps me trusting</a:t>
-            </a:r>
-          </a:p>
-          <a:p>
-            <a:pPr lvl="0"/>
-            <a:r>
-              <a:rPr lang="en-US"/>
-              <a:t>You are the life to my soul</a:t>
-            </a:r>
-          </a:p>
-          <a:p>
-            <a:pPr lvl="0"/>
-            <a:r>
-              <a:rPr lang="en-US"/>
-              <a:t>You are my purpose, You're everything</a:t>
+              <a:rPr lang="en-US" dirty="0"/>
+              <a:t>Find me here, speak to me</a:t>
+            </a:r>
+          </a:p>
+          <a:p>
+            <a:pPr lvl="0"/>
+            <a:r>
+              <a:rPr lang="en-US" dirty="0"/>
+              <a:t>I want to feel You, I need to hear You</a:t>
+            </a:r>
+          </a:p>
+          <a:p>
+            <a:pPr lvl="0"/>
+            <a:r>
+              <a:rPr lang="en-US" dirty="0"/>
+              <a:t>You are the light that's leading me</a:t>
+            </a:r>
+          </a:p>
+          <a:p>
+            <a:pPr lvl="0"/>
+            <a:r>
+              <a:rPr lang="en-US"/>
+              <a:t>To the place where I find peace again</a:t>
             </a:r>
           </a:p>
         </p:txBody>
@@ -4535,7 +4195,7 @@
     </p:spTree>
     <p:extLst>
       <p:ext uri="{BB962C8B-B14F-4D97-AF65-F5344CB8AC3E}">
-        <p14:creationId xmlns:p14="http://schemas.microsoft.com/office/powerpoint/2010/main" val="443399883"/>
+        <p14:creationId xmlns:p14="http://schemas.microsoft.com/office/powerpoint/2010/main" val="447114443"/>
       </p:ext>
     </p:extLst>
   </p:cSld>
@@ -4567,7 +4227,7 @@
           <p:cNvPr id="2" name="Title 1">
             <a:extLst>
               <a:ext uri="{FF2B5EF4-FFF2-40B4-BE49-F238E27FC236}">
-                <a16:creationId xmlns:a16="http://schemas.microsoft.com/office/drawing/2014/main" id="{70E0F00C-046B-4D3D-80D7-03BFCD195D42}"/>
+                <a16:creationId xmlns:a16="http://schemas.microsoft.com/office/drawing/2014/main" id="{B2FCD4E5-A3EB-40C9-9AE2-C7E02AA8EB17}"/>
               </a:ext>
             </a:extLst>
           </p:cNvPr>
@@ -4595,7 +4255,7 @@
           <p:cNvPr id="3" name="Text Placeholder 2">
             <a:extLst>
               <a:ext uri="{FF2B5EF4-FFF2-40B4-BE49-F238E27FC236}">
-                <a16:creationId xmlns:a16="http://schemas.microsoft.com/office/drawing/2014/main" id="{A667FFB2-6CDE-4106-8127-4CA8F9B7F21A}"/>
+                <a16:creationId xmlns:a16="http://schemas.microsoft.com/office/drawing/2014/main" id="{E5202B9C-6814-4285-8AC5-A54895492CE5}"/>
               </a:ext>
             </a:extLst>
           </p:cNvPr>
@@ -4614,28 +4274,28 @@
             <a:pPr lvl="0"/>
             <a:r>
               <a:rPr lang="en-US"/>
-              <a:t>And how can I stand here with You</a:t>
-            </a:r>
-          </a:p>
-          <a:p>
-            <a:pPr lvl="0"/>
-            <a:r>
-              <a:rPr lang="en-US"/>
-              <a:t>And not be moved by You</a:t>
-            </a:r>
-          </a:p>
-          <a:p>
-            <a:pPr lvl="0"/>
-            <a:r>
-              <a:rPr lang="en-US"/>
-              <a:t>Would You tell me how could it be</a:t>
-            </a:r>
-          </a:p>
-          <a:p>
-            <a:pPr lvl="0"/>
-            <a:r>
-              <a:rPr lang="en-US"/>
-              <a:t>Any better than this</a:t>
+              <a:t>You are the strength that keeps me walking</a:t>
+            </a:r>
+          </a:p>
+          <a:p>
+            <a:pPr lvl="0"/>
+            <a:r>
+              <a:rPr lang="en-US"/>
+              <a:t>You are the hope that keeps me trusting</a:t>
+            </a:r>
+          </a:p>
+          <a:p>
+            <a:pPr lvl="0"/>
+            <a:r>
+              <a:rPr lang="en-US"/>
+              <a:t>You are the life to my soul</a:t>
+            </a:r>
+          </a:p>
+          <a:p>
+            <a:pPr lvl="0"/>
+            <a:r>
+              <a:rPr lang="en-US"/>
+              <a:t>You are my purpose, You're everything</a:t>
             </a:r>
           </a:p>
         </p:txBody>
@@ -4643,7 +4303,7 @@
     </p:spTree>
     <p:extLst>
       <p:ext uri="{BB962C8B-B14F-4D97-AF65-F5344CB8AC3E}">
-        <p14:creationId xmlns:p14="http://schemas.microsoft.com/office/powerpoint/2010/main" val="233687611"/>
+        <p14:creationId xmlns:p14="http://schemas.microsoft.com/office/powerpoint/2010/main" val="443399883"/>
       </p:ext>
     </p:extLst>
   </p:cSld>
@@ -4758,6 +4418,114 @@
           <p:cNvPr id="2" name="Title 1">
             <a:extLst>
               <a:ext uri="{FF2B5EF4-FFF2-40B4-BE49-F238E27FC236}">
+                <a16:creationId xmlns:a16="http://schemas.microsoft.com/office/drawing/2014/main" id="{70E0F00C-046B-4D3D-80D7-03BFCD195D42}"/>
+              </a:ext>
+            </a:extLst>
+          </p:cNvPr>
+          <p:cNvSpPr>
+            <a:spLocks noGrp="1"/>
+          </p:cNvSpPr>
+          <p:nvPr>
+            <p:ph type="title"/>
+          </p:nvPr>
+        </p:nvSpPr>
+        <p:spPr/>
+        <p:txBody>
+          <a:bodyPr/>
+          <a:lstStyle/>
+          <a:p>
+            <a:r>
+              <a:rPr lang="en-US"/>
+              <a:t>Everything</a:t>
+            </a:r>
+          </a:p>
+        </p:txBody>
+      </p:sp>
+      <p:sp>
+        <p:nvSpPr>
+          <p:cNvPr id="3" name="Text Placeholder 2">
+            <a:extLst>
+              <a:ext uri="{FF2B5EF4-FFF2-40B4-BE49-F238E27FC236}">
+                <a16:creationId xmlns:a16="http://schemas.microsoft.com/office/drawing/2014/main" id="{A667FFB2-6CDE-4106-8127-4CA8F9B7F21A}"/>
+              </a:ext>
+            </a:extLst>
+          </p:cNvPr>
+          <p:cNvSpPr>
+            <a:spLocks noGrp="1"/>
+          </p:cNvSpPr>
+          <p:nvPr>
+            <p:ph type="body" idx="1"/>
+          </p:nvPr>
+        </p:nvSpPr>
+        <p:spPr/>
+        <p:txBody>
+          <a:bodyPr/>
+          <a:lstStyle/>
+          <a:p>
+            <a:pPr lvl="0"/>
+            <a:r>
+              <a:rPr lang="en-US"/>
+              <a:t>And how can I stand here with You</a:t>
+            </a:r>
+          </a:p>
+          <a:p>
+            <a:pPr lvl="0"/>
+            <a:r>
+              <a:rPr lang="en-US"/>
+              <a:t>And not be moved by You</a:t>
+            </a:r>
+          </a:p>
+          <a:p>
+            <a:pPr lvl="0"/>
+            <a:r>
+              <a:rPr lang="en-US"/>
+              <a:t>Would You tell me how could it be</a:t>
+            </a:r>
+          </a:p>
+          <a:p>
+            <a:pPr lvl="0"/>
+            <a:r>
+              <a:rPr lang="en-US"/>
+              <a:t>Any better than this</a:t>
+            </a:r>
+          </a:p>
+        </p:txBody>
+      </p:sp>
+    </p:spTree>
+    <p:extLst>
+      <p:ext uri="{BB962C8B-B14F-4D97-AF65-F5344CB8AC3E}">
+        <p14:creationId xmlns:p14="http://schemas.microsoft.com/office/powerpoint/2010/main" val="233687611"/>
+      </p:ext>
+    </p:extLst>
+  </p:cSld>
+  <p:clrMapOvr>
+    <a:masterClrMapping/>
+  </p:clrMapOvr>
+</p:sld>
+</file>
+
+<file path=ppt/slides/slide21.xml><?xml version="1.0" encoding="utf-8"?>
+<p:sld xmlns:a="http://schemas.openxmlformats.org/drawingml/2006/main" xmlns:r="http://schemas.openxmlformats.org/officeDocument/2006/relationships" xmlns:p="http://schemas.openxmlformats.org/presentationml/2006/main">
+  <p:cSld>
+    <p:spTree>
+      <p:nvGrpSpPr>
+        <p:cNvPr id="1" name=""/>
+        <p:cNvGrpSpPr/>
+        <p:nvPr/>
+      </p:nvGrpSpPr>
+      <p:grpSpPr>
+        <a:xfrm>
+          <a:off x="0" y="0"/>
+          <a:ext cx="0" cy="0"/>
+          <a:chOff x="0" y="0"/>
+          <a:chExt cx="0" cy="0"/>
+        </a:xfrm>
+      </p:grpSpPr>
+      <p:sp>
+        <p:nvSpPr>
+          <p:cNvPr id="2" name="Title 1">
+            <a:extLst>
+              <a:ext uri="{FF2B5EF4-FFF2-40B4-BE49-F238E27FC236}">
                 <a16:creationId xmlns:a16="http://schemas.microsoft.com/office/drawing/2014/main" id="{BC15E23E-ECB2-465F-8D96-5CDCCDF20B2B}"/>
               </a:ext>
             </a:extLst>
@@ -5231,63 +4999,41 @@
         </p:nvSpPr>
         <p:spPr/>
         <p:txBody>
-          <a:bodyPr/>
-          <a:lstStyle/>
-          <a:p>
-            <a:pPr lvl="0"/>
-            <a:r>
-              <a:rPr lang="en-US"/>
+          <a:bodyPr>
+            <a:normAutofit/>
+          </a:bodyPr>
+          <a:lstStyle/>
+          <a:p>
+            <a:pPr lvl="0"/>
+            <a:r>
+              <a:rPr lang="en-US" dirty="0"/>
               <a:t>Love came down and rescued me</a:t>
             </a:r>
           </a:p>
           <a:p>
             <a:pPr lvl="0"/>
             <a:r>
-              <a:rPr lang="en-US"/>
+              <a:rPr lang="en-US" dirty="0"/>
               <a:t>Love came down and set me free</a:t>
             </a:r>
           </a:p>
           <a:p>
             <a:pPr lvl="0"/>
             <a:r>
-              <a:rPr lang="en-US"/>
+              <a:rPr lang="en-US" dirty="0"/>
               <a:t>I am Yours</a:t>
             </a:r>
           </a:p>
           <a:p>
             <a:pPr lvl="0"/>
             <a:r>
-              <a:rPr lang="en-US"/>
+              <a:rPr lang="en-US" dirty="0"/>
               <a:t>Lord I'm forever Yours</a:t>
             </a:r>
           </a:p>
           <a:p>
             <a:pPr lvl="0"/>
-            <a:r>
-              <a:rPr lang="en-US"/>
-              <a:t>Mountains high or valley low</a:t>
-            </a:r>
-          </a:p>
-          <a:p>
-            <a:pPr lvl="0"/>
-            <a:r>
-              <a:rPr lang="en-US"/>
-              <a:t>I sing out and remind my soul</a:t>
-            </a:r>
-          </a:p>
-          <a:p>
-            <a:pPr lvl="0"/>
-            <a:r>
-              <a:rPr lang="en-US"/>
-              <a:t>I am Yours</a:t>
-            </a:r>
-          </a:p>
-          <a:p>
-            <a:pPr lvl="0"/>
-            <a:r>
-              <a:rPr lang="en-US"/>
-              <a:t>I am forever Yours</a:t>
-            </a:r>
+            <a:endParaRPr lang="en-US" dirty="0"/>
           </a:p>
         </p:txBody>
       </p:sp>
@@ -5326,7 +5072,7 @@
           <p:cNvPr id="2" name="Title 1">
             <a:extLst>
               <a:ext uri="{FF2B5EF4-FFF2-40B4-BE49-F238E27FC236}">
-                <a16:creationId xmlns:a16="http://schemas.microsoft.com/office/drawing/2014/main" id="{6626F945-C08E-467C-9C13-FDECC57D6CD4}"/>
+                <a16:creationId xmlns:a16="http://schemas.microsoft.com/office/drawing/2014/main" id="{F028DCDD-1F69-4B40-97A5-B784C2FA8706}"/>
               </a:ext>
             </a:extLst>
           </p:cNvPr>
@@ -5354,7 +5100,7 @@
           <p:cNvPr id="3" name="Text Placeholder 2">
             <a:extLst>
               <a:ext uri="{FF2B5EF4-FFF2-40B4-BE49-F238E27FC236}">
-                <a16:creationId xmlns:a16="http://schemas.microsoft.com/office/drawing/2014/main" id="{27EBCDAC-E9CD-4C52-AADD-203A95B31A13}"/>
+                <a16:creationId xmlns:a16="http://schemas.microsoft.com/office/drawing/2014/main" id="{75353A1F-F0E9-4813-9772-81690B8278D1}"/>
               </a:ext>
             </a:extLst>
           </p:cNvPr>
@@ -5367,34 +5113,36 @@
         </p:nvSpPr>
         <p:spPr/>
         <p:txBody>
-          <a:bodyPr/>
-          <a:lstStyle/>
-          <a:p>
-            <a:pPr lvl="0"/>
-            <a:r>
-              <a:rPr lang="en-US"/>
-              <a:t>When my heart is filled with hope</a:t>
-            </a:r>
-          </a:p>
-          <a:p>
-            <a:pPr lvl="0"/>
-            <a:r>
-              <a:rPr lang="en-US"/>
-              <a:t>Every promise comes my way</a:t>
-            </a:r>
-          </a:p>
-          <a:p>
-            <a:pPr lvl="0"/>
-            <a:r>
-              <a:rPr lang="en-US"/>
-              <a:t>When I feel Your hands of grace</a:t>
-            </a:r>
-          </a:p>
-          <a:p>
-            <a:pPr lvl="0"/>
-            <a:r>
-              <a:rPr lang="en-US"/>
-              <a:t>Rest upon me</a:t>
+          <a:bodyPr>
+            <a:normAutofit/>
+          </a:bodyPr>
+          <a:lstStyle/>
+          <a:p>
+            <a:pPr lvl="0"/>
+            <a:r>
+              <a:rPr lang="en-US" dirty="0"/>
+              <a:t>Mountains high or valley low</a:t>
+            </a:r>
+          </a:p>
+          <a:p>
+            <a:pPr lvl="0"/>
+            <a:r>
+              <a:rPr lang="en-US" dirty="0"/>
+              <a:t>I sing out and remind my soul</a:t>
+            </a:r>
+          </a:p>
+          <a:p>
+            <a:pPr lvl="0"/>
+            <a:r>
+              <a:rPr lang="en-US" dirty="0"/>
+              <a:t>I am Yours</a:t>
+            </a:r>
+          </a:p>
+          <a:p>
+            <a:pPr lvl="0"/>
+            <a:r>
+              <a:rPr lang="en-US" dirty="0"/>
+              <a:t>I am forever Yours</a:t>
             </a:r>
           </a:p>
         </p:txBody>
@@ -5402,7 +5150,7 @@
     </p:spTree>
     <p:extLst>
       <p:ext uri="{BB962C8B-B14F-4D97-AF65-F5344CB8AC3E}">
-        <p14:creationId xmlns:p14="http://schemas.microsoft.com/office/powerpoint/2010/main" val="2128527841"/>
+        <p14:creationId xmlns:p14="http://schemas.microsoft.com/office/powerpoint/2010/main" val="1459352155"/>
       </p:ext>
     </p:extLst>
   </p:cSld>
@@ -5434,7 +5182,7 @@
           <p:cNvPr id="2" name="Title 1">
             <a:extLst>
               <a:ext uri="{FF2B5EF4-FFF2-40B4-BE49-F238E27FC236}">
-                <a16:creationId xmlns:a16="http://schemas.microsoft.com/office/drawing/2014/main" id="{A502EC28-AC20-4851-8E3C-BBA44464A218}"/>
+                <a16:creationId xmlns:a16="http://schemas.microsoft.com/office/drawing/2014/main" id="{6626F945-C08E-467C-9C13-FDECC57D6CD4}"/>
               </a:ext>
             </a:extLst>
           </p:cNvPr>
@@ -5462,7 +5210,7 @@
           <p:cNvPr id="3" name="Text Placeholder 2">
             <a:extLst>
               <a:ext uri="{FF2B5EF4-FFF2-40B4-BE49-F238E27FC236}">
-                <a16:creationId xmlns:a16="http://schemas.microsoft.com/office/drawing/2014/main" id="{2F00ED1B-03A5-4D8A-B200-FE5C5DFDE707}"/>
+                <a16:creationId xmlns:a16="http://schemas.microsoft.com/office/drawing/2014/main" id="{27EBCDAC-E9CD-4C52-AADD-203A95B31A13}"/>
               </a:ext>
             </a:extLst>
           </p:cNvPr>
@@ -5481,28 +5229,28 @@
             <a:pPr lvl="0"/>
             <a:r>
               <a:rPr lang="en-US"/>
-              <a:t>Staying desperate for You, God</a:t>
-            </a:r>
-          </a:p>
-          <a:p>
-            <a:pPr lvl="0"/>
-            <a:r>
-              <a:rPr lang="en-US"/>
-              <a:t>Staying humble at Your feet</a:t>
-            </a:r>
-          </a:p>
-          <a:p>
-            <a:pPr lvl="0"/>
-            <a:r>
-              <a:rPr lang="en-US"/>
-              <a:t>I will lift these hands in praise</a:t>
-            </a:r>
-          </a:p>
-          <a:p>
-            <a:pPr lvl="0"/>
-            <a:r>
-              <a:rPr lang="en-US"/>
-              <a:t>I will believe</a:t>
+              <a:t>When my heart is filled with hope</a:t>
+            </a:r>
+          </a:p>
+          <a:p>
+            <a:pPr lvl="0"/>
+            <a:r>
+              <a:rPr lang="en-US"/>
+              <a:t>Every promise comes my way</a:t>
+            </a:r>
+          </a:p>
+          <a:p>
+            <a:pPr lvl="0"/>
+            <a:r>
+              <a:rPr lang="en-US"/>
+              <a:t>When I feel Your hands of grace</a:t>
+            </a:r>
+          </a:p>
+          <a:p>
+            <a:pPr lvl="0"/>
+            <a:r>
+              <a:rPr lang="en-US"/>
+              <a:t>Rest upon me</a:t>
             </a:r>
           </a:p>
         </p:txBody>
@@ -5510,7 +5258,7 @@
     </p:spTree>
     <p:extLst>
       <p:ext uri="{BB962C8B-B14F-4D97-AF65-F5344CB8AC3E}">
-        <p14:creationId xmlns:p14="http://schemas.microsoft.com/office/powerpoint/2010/main" val="1741870535"/>
+        <p14:creationId xmlns:p14="http://schemas.microsoft.com/office/powerpoint/2010/main" val="2128527841"/>
       </p:ext>
     </p:extLst>
   </p:cSld>
@@ -5542,7 +5290,7 @@
           <p:cNvPr id="2" name="Title 1">
             <a:extLst>
               <a:ext uri="{FF2B5EF4-FFF2-40B4-BE49-F238E27FC236}">
-                <a16:creationId xmlns:a16="http://schemas.microsoft.com/office/drawing/2014/main" id="{9FA857DC-69AC-49EC-AF29-39C9941ADA8F}"/>
+                <a16:creationId xmlns:a16="http://schemas.microsoft.com/office/drawing/2014/main" id="{A502EC28-AC20-4851-8E3C-BBA44464A218}"/>
               </a:ext>
             </a:extLst>
           </p:cNvPr>
@@ -5560,7 +5308,7 @@
           <a:p>
             <a:r>
               <a:rPr lang="en-US"/>
-              <a:t>It Is Well</a:t>
+              <a:t>Love Came Down</a:t>
             </a:r>
           </a:p>
         </p:txBody>
@@ -5570,7 +5318,7 @@
           <p:cNvPr id="3" name="Text Placeholder 2">
             <a:extLst>
               <a:ext uri="{FF2B5EF4-FFF2-40B4-BE49-F238E27FC236}">
-                <a16:creationId xmlns:a16="http://schemas.microsoft.com/office/drawing/2014/main" id="{5CCD4F9A-9AF5-4AE4-B187-07AD0E803892}"/>
+                <a16:creationId xmlns:a16="http://schemas.microsoft.com/office/drawing/2014/main" id="{2F00ED1B-03A5-4D8A-B200-FE5C5DFDE707}"/>
               </a:ext>
             </a:extLst>
           </p:cNvPr>
@@ -5586,14 +5334,39 @@
           <a:bodyPr/>
           <a:lstStyle/>
           <a:p>
-            <a:endParaRPr lang="en-US"/>
+            <a:pPr lvl="0"/>
+            <a:r>
+              <a:rPr lang="en-US"/>
+              <a:t>Staying desperate for You, God</a:t>
+            </a:r>
+          </a:p>
+          <a:p>
+            <a:pPr lvl="0"/>
+            <a:r>
+              <a:rPr lang="en-US"/>
+              <a:t>Staying humble at Your feet</a:t>
+            </a:r>
+          </a:p>
+          <a:p>
+            <a:pPr lvl="0"/>
+            <a:r>
+              <a:rPr lang="en-US"/>
+              <a:t>I will lift these hands in praise</a:t>
+            </a:r>
+          </a:p>
+          <a:p>
+            <a:pPr lvl="0"/>
+            <a:r>
+              <a:rPr lang="en-US"/>
+              <a:t>I will believe</a:t>
+            </a:r>
           </a:p>
         </p:txBody>
       </p:sp>
     </p:spTree>
     <p:extLst>
       <p:ext uri="{BB962C8B-B14F-4D97-AF65-F5344CB8AC3E}">
-        <p14:creationId xmlns:p14="http://schemas.microsoft.com/office/powerpoint/2010/main" val="3082420856"/>
+        <p14:creationId xmlns:p14="http://schemas.microsoft.com/office/powerpoint/2010/main" val="1741870535"/>
       </p:ext>
     </p:extLst>
   </p:cSld>
@@ -5606,7 +5379,7 @@
 <file path=ppt/theme/theme1.xml><?xml version="1.0" encoding="utf-8"?>
 <a:theme xmlns:a="http://schemas.openxmlformats.org/drawingml/2006/main" name="Office Theme">
   <a:themeElements>
-    <a:clrScheme name="Office">
+    <a:clrScheme name="Office Theme">
       <a:dk1>
         <a:sysClr val="windowText" lastClr="000000"/>
       </a:dk1>
@@ -5644,7 +5417,7 @@
         <a:srgbClr val="954F72"/>
       </a:folHlink>
     </a:clrScheme>
-    <a:fontScheme name="Office">
+    <a:fontScheme name="Office Theme">
       <a:majorFont>
         <a:latin typeface="Calibri Light" panose="020F0302020204030204"/>
         <a:ea typeface=""/>
@@ -5679,23 +5452,6 @@
         <a:font script="Viet" typeface="Times New Roman"/>
         <a:font script="Uigh" typeface="Microsoft Uighur"/>
         <a:font script="Geor" typeface="Sylfaen"/>
-        <a:font script="Armn" typeface="Arial"/>
-        <a:font script="Bugi" typeface="Leelawadee UI"/>
-        <a:font script="Bopo" typeface="Microsoft JhengHei"/>
-        <a:font script="Java" typeface="Javanese Text"/>
-        <a:font script="Lisu" typeface="Segoe UI"/>
-        <a:font script="Mymr" typeface="Myanmar Text"/>
-        <a:font script="Nkoo" typeface="Ebrima"/>
-        <a:font script="Olck" typeface="Nirmala UI"/>
-        <a:font script="Osma" typeface="Ebrima"/>
-        <a:font script="Phag" typeface="Phagspa"/>
-        <a:font script="Syrn" typeface="Estrangelo Edessa"/>
-        <a:font script="Syrj" typeface="Estrangelo Edessa"/>
-        <a:font script="Syre" typeface="Estrangelo Edessa"/>
-        <a:font script="Sora" typeface="Nirmala UI"/>
-        <a:font script="Tale" typeface="Microsoft Tai Le"/>
-        <a:font script="Talu" typeface="Microsoft New Tai Lue"/>
-        <a:font script="Tfng" typeface="Ebrima"/>
       </a:majorFont>
       <a:minorFont>
         <a:latin typeface="Calibri" panose="020F0502020204030204"/>
@@ -5731,26 +5487,9 @@
         <a:font script="Viet" typeface="Arial"/>
         <a:font script="Uigh" typeface="Microsoft Uighur"/>
         <a:font script="Geor" typeface="Sylfaen"/>
-        <a:font script="Armn" typeface="Arial"/>
-        <a:font script="Bugi" typeface="Leelawadee UI"/>
-        <a:font script="Bopo" typeface="Microsoft JhengHei"/>
-        <a:font script="Java" typeface="Javanese Text"/>
-        <a:font script="Lisu" typeface="Segoe UI"/>
-        <a:font script="Mymr" typeface="Myanmar Text"/>
-        <a:font script="Nkoo" typeface="Ebrima"/>
-        <a:font script="Olck" typeface="Nirmala UI"/>
-        <a:font script="Osma" typeface="Ebrima"/>
-        <a:font script="Phag" typeface="Phagspa"/>
-        <a:font script="Syrn" typeface="Estrangelo Edessa"/>
-        <a:font script="Syrj" typeface="Estrangelo Edessa"/>
-        <a:font script="Syre" typeface="Estrangelo Edessa"/>
-        <a:font script="Sora" typeface="Nirmala UI"/>
-        <a:font script="Tale" typeface="Microsoft Tai Le"/>
-        <a:font script="Talu" typeface="Microsoft New Tai Lue"/>
-        <a:font script="Tfng" typeface="Ebrima"/>
       </a:minorFont>
     </a:fontScheme>
-    <a:fmtScheme name="Office">
+    <a:fmtScheme name="Office Theme">
       <a:fillStyleLst>
         <a:solidFill>
           <a:schemeClr val="phClr"/>
@@ -5892,7 +5631,7 @@
   <a:extraClrSchemeLst/>
   <a:extLst>
     <a:ext uri="{05A4C25C-085E-4340-85A3-A5531E510DB2}">
-      <thm15:themeFamily xmlns:thm15="http://schemas.microsoft.com/office/thememl/2012/main" name="Office Theme" id="{62F939B6-93AF-4DB8-9C6B-D6C7DFDC589F}" vid="{4A3C46E8-61CC-4603-A589-7422A47A8E4A}"/>
+      <thm15:themeFamily xmlns:thm15="http://schemas.microsoft.com/office/thememl/2012/main" name="Office Theme" id="{62F939B6-93AF-4DB8-9C6B-D6C7DFDC589F}" vid="{4F46216B-77A9-411A-B9D3-5023FCB70208}"/>
     </a:ext>
   </a:extLst>
 </a:theme>
